--- a/DS_Sat_2020/DS-Day-10 R.pptx
+++ b/DS_Sat_2020/DS-Day-10 R.pptx
@@ -5,13 +5,15 @@
     <p:sldMasterId id="2147483781" r:id="rId1"/>
   </p:sldMasterIdLst>
   <p:notesMasterIdLst>
-    <p:notesMasterId r:id="rId6"/>
+    <p:notesMasterId r:id="rId8"/>
   </p:notesMasterIdLst>
   <p:sldIdLst>
     <p:sldId id="289" r:id="rId2"/>
     <p:sldId id="290" r:id="rId3"/>
     <p:sldId id="291" r:id="rId4"/>
     <p:sldId id="292" r:id="rId5"/>
+    <p:sldId id="293" r:id="rId6"/>
+    <p:sldId id="297" r:id="rId7"/>
   </p:sldIdLst>
   <p:sldSz cx="9144000" cy="6858000" type="screen4x3"/>
   <p:notesSz cx="6858000" cy="9144000"/>
@@ -200,7 +202,7 @@
           <a:p>
             <a:fld id="{22783AA6-C1EF-448D-A48A-EF30DCBEFCCC}" type="datetimeFigureOut">
               <a:rPr lang="en-US" smtClean="0"/>
-              <a:t>11/2/2018</a:t>
+              <a:t>4/17/20</a:t>
             </a:fld>
             <a:endParaRPr lang="en-US"/>
           </a:p>
@@ -264,35 +266,35 @@
           <a:p>
             <a:pPr lvl="0"/>
             <a:r>
-              <a:rPr lang="ru-RU" smtClean="0"/>
+              <a:rPr lang="ru-RU"/>
               <a:t>Образец текста</a:t>
             </a:r>
           </a:p>
           <a:p>
             <a:pPr lvl="1"/>
             <a:r>
-              <a:rPr lang="ru-RU" smtClean="0"/>
+              <a:rPr lang="ru-RU"/>
               <a:t>Второй уровень</a:t>
             </a:r>
           </a:p>
           <a:p>
             <a:pPr lvl="2"/>
             <a:r>
-              <a:rPr lang="ru-RU" smtClean="0"/>
+              <a:rPr lang="ru-RU"/>
               <a:t>Третий уровень</a:t>
             </a:r>
           </a:p>
           <a:p>
             <a:pPr lvl="3"/>
             <a:r>
-              <a:rPr lang="ru-RU" smtClean="0"/>
+              <a:rPr lang="ru-RU"/>
               <a:t>Четвертый уровень</a:t>
             </a:r>
           </a:p>
           <a:p>
             <a:pPr lvl="4"/>
             <a:r>
-              <a:rPr lang="ru-RU" smtClean="0"/>
+              <a:rPr lang="ru-RU"/>
               <a:t>Пятый уровень</a:t>
             </a:r>
             <a:endParaRPr lang="en-US"/>
@@ -876,6 +878,210 @@
 </p:notes>
 </file>
 
+<file path=ppt/notesSlides/notesSlide5.xml><?xml version="1.0" encoding="utf-8"?>
+<p:notes xmlns:a="http://schemas.openxmlformats.org/drawingml/2006/main" xmlns:r="http://schemas.openxmlformats.org/officeDocument/2006/relationships" xmlns:p="http://schemas.openxmlformats.org/presentationml/2006/main">
+  <p:cSld>
+    <p:spTree>
+      <p:nvGrpSpPr>
+        <p:cNvPr id="1" name=""/>
+        <p:cNvGrpSpPr/>
+        <p:nvPr/>
+      </p:nvGrpSpPr>
+      <p:grpSpPr>
+        <a:xfrm>
+          <a:off x="0" y="0"/>
+          <a:ext cx="0" cy="0"/>
+          <a:chOff x="0" y="0"/>
+          <a:chExt cx="0" cy="0"/>
+        </a:xfrm>
+      </p:grpSpPr>
+      <p:sp>
+        <p:nvSpPr>
+          <p:cNvPr id="2" name="Образ слайда 1"/>
+          <p:cNvSpPr>
+            <a:spLocks noGrp="1" noRot="1" noChangeAspect="1"/>
+          </p:cNvSpPr>
+          <p:nvPr>
+            <p:ph type="sldImg"/>
+          </p:nvPr>
+        </p:nvSpPr>
+        <p:spPr>
+          <a:xfrm>
+            <a:off x="896938" y="746125"/>
+            <a:ext cx="4967287" cy="3727450"/>
+          </a:xfrm>
+        </p:spPr>
+      </p:sp>
+      <p:sp>
+        <p:nvSpPr>
+          <p:cNvPr id="3" name="Заметки 2"/>
+          <p:cNvSpPr>
+            <a:spLocks noGrp="1"/>
+          </p:cNvSpPr>
+          <p:nvPr>
+            <p:ph type="body" idx="1"/>
+          </p:nvPr>
+        </p:nvSpPr>
+        <p:spPr/>
+        <p:txBody>
+          <a:bodyPr>
+            <a:normAutofit/>
+          </a:bodyPr>
+          <a:lstStyle/>
+          <a:p>
+            <a:endParaRPr lang="ru-RU" sz="1400" dirty="0">
+              <a:latin typeface="+mn-lt"/>
+            </a:endParaRPr>
+          </a:p>
+        </p:txBody>
+      </p:sp>
+      <p:sp>
+        <p:nvSpPr>
+          <p:cNvPr id="4" name="Номер слайда 3"/>
+          <p:cNvSpPr>
+            <a:spLocks noGrp="1"/>
+          </p:cNvSpPr>
+          <p:nvPr>
+            <p:ph type="sldNum" sz="quarter" idx="10"/>
+          </p:nvPr>
+        </p:nvSpPr>
+        <p:spPr/>
+        <p:txBody>
+          <a:bodyPr/>
+          <a:lstStyle/>
+          <a:p>
+            <a:fld id="{A868C670-7DD8-483E-B635-2FC3EA348D84}" type="slidenum">
+              <a:rPr lang="ru-RU" smtClean="0">
+                <a:solidFill>
+                  <a:prstClr val="black"/>
+                </a:solidFill>
+              </a:rPr>
+              <a:pPr/>
+              <a:t>5</a:t>
+            </a:fld>
+            <a:endParaRPr lang="ru-RU">
+              <a:solidFill>
+                <a:prstClr val="black"/>
+              </a:solidFill>
+            </a:endParaRPr>
+          </a:p>
+        </p:txBody>
+      </p:sp>
+    </p:spTree>
+    <p:extLst>
+      <p:ext uri="{BB962C8B-B14F-4D97-AF65-F5344CB8AC3E}">
+        <p14:creationId xmlns:p14="http://schemas.microsoft.com/office/powerpoint/2010/main" val="1526973914"/>
+      </p:ext>
+    </p:extLst>
+  </p:cSld>
+  <p:clrMapOvr>
+    <a:masterClrMapping/>
+  </p:clrMapOvr>
+</p:notes>
+</file>
+
+<file path=ppt/notesSlides/notesSlide6.xml><?xml version="1.0" encoding="utf-8"?>
+<p:notes xmlns:a="http://schemas.openxmlformats.org/drawingml/2006/main" xmlns:r="http://schemas.openxmlformats.org/officeDocument/2006/relationships" xmlns:p="http://schemas.openxmlformats.org/presentationml/2006/main">
+  <p:cSld>
+    <p:spTree>
+      <p:nvGrpSpPr>
+        <p:cNvPr id="1" name=""/>
+        <p:cNvGrpSpPr/>
+        <p:nvPr/>
+      </p:nvGrpSpPr>
+      <p:grpSpPr>
+        <a:xfrm>
+          <a:off x="0" y="0"/>
+          <a:ext cx="0" cy="0"/>
+          <a:chOff x="0" y="0"/>
+          <a:chExt cx="0" cy="0"/>
+        </a:xfrm>
+      </p:grpSpPr>
+      <p:sp>
+        <p:nvSpPr>
+          <p:cNvPr id="2" name="Образ слайда 1"/>
+          <p:cNvSpPr>
+            <a:spLocks noGrp="1" noRot="1" noChangeAspect="1"/>
+          </p:cNvSpPr>
+          <p:nvPr>
+            <p:ph type="sldImg"/>
+          </p:nvPr>
+        </p:nvSpPr>
+        <p:spPr>
+          <a:xfrm>
+            <a:off x="896938" y="746125"/>
+            <a:ext cx="4967287" cy="3727450"/>
+          </a:xfrm>
+        </p:spPr>
+      </p:sp>
+      <p:sp>
+        <p:nvSpPr>
+          <p:cNvPr id="3" name="Заметки 2"/>
+          <p:cNvSpPr>
+            <a:spLocks noGrp="1"/>
+          </p:cNvSpPr>
+          <p:nvPr>
+            <p:ph type="body" idx="1"/>
+          </p:nvPr>
+        </p:nvSpPr>
+        <p:spPr/>
+        <p:txBody>
+          <a:bodyPr>
+            <a:normAutofit/>
+          </a:bodyPr>
+          <a:lstStyle/>
+          <a:p>
+            <a:endParaRPr lang="ru-RU" sz="1400" dirty="0">
+              <a:latin typeface="+mn-lt"/>
+            </a:endParaRPr>
+          </a:p>
+        </p:txBody>
+      </p:sp>
+      <p:sp>
+        <p:nvSpPr>
+          <p:cNvPr id="4" name="Номер слайда 3"/>
+          <p:cNvSpPr>
+            <a:spLocks noGrp="1"/>
+          </p:cNvSpPr>
+          <p:nvPr>
+            <p:ph type="sldNum" sz="quarter" idx="10"/>
+          </p:nvPr>
+        </p:nvSpPr>
+        <p:spPr/>
+        <p:txBody>
+          <a:bodyPr/>
+          <a:lstStyle/>
+          <a:p>
+            <a:fld id="{A868C670-7DD8-483E-B635-2FC3EA348D84}" type="slidenum">
+              <a:rPr lang="ru-RU" smtClean="0">
+                <a:solidFill>
+                  <a:prstClr val="black"/>
+                </a:solidFill>
+              </a:rPr>
+              <a:pPr/>
+              <a:t>6</a:t>
+            </a:fld>
+            <a:endParaRPr lang="ru-RU">
+              <a:solidFill>
+                <a:prstClr val="black"/>
+              </a:solidFill>
+            </a:endParaRPr>
+          </a:p>
+        </p:txBody>
+      </p:sp>
+    </p:spTree>
+    <p:extLst>
+      <p:ext uri="{BB962C8B-B14F-4D97-AF65-F5344CB8AC3E}">
+        <p14:creationId xmlns:p14="http://schemas.microsoft.com/office/powerpoint/2010/main" val="2520311954"/>
+      </p:ext>
+    </p:extLst>
+  </p:cSld>
+  <p:clrMapOvr>
+    <a:masterClrMapping/>
+  </p:clrMapOvr>
+</p:notes>
+</file>
+
 <file path=ppt/slideLayouts/slideLayout1.xml><?xml version="1.0" encoding="utf-8"?>
 <p:sldLayout xmlns:a="http://schemas.openxmlformats.org/drawingml/2006/main" xmlns:r="http://schemas.openxmlformats.org/officeDocument/2006/relationships" xmlns:p="http://schemas.openxmlformats.org/presentationml/2006/main" type="title" preserve="1">
   <p:cSld name="Титульный слайд">
@@ -920,7 +1126,7 @@
           </a:lstStyle>
           <a:p>
             <a:r>
-              <a:rPr lang="ru-RU" smtClean="0"/>
+              <a:rPr lang="ru-RU"/>
               <a:t>Образец заголовка</a:t>
             </a:r>
             <a:endParaRPr lang="en-US" dirty="0"/>
@@ -994,7 +1200,7 @@
           </a:lstStyle>
           <a:p>
             <a:r>
-              <a:rPr lang="ru-RU" smtClean="0"/>
+              <a:rPr lang="ru-RU"/>
               <a:t>Образец подзаголовка</a:t>
             </a:r>
             <a:endParaRPr lang="en-US" dirty="0"/>
@@ -1018,7 +1224,7 @@
           <a:p>
             <a:fld id="{C14F4D0B-68E4-4C14-BD4D-319F9BD213A3}" type="datetimeFigureOut">
               <a:rPr lang="ru-RU" smtClean="0"/>
-              <a:t>02.11.2018</a:t>
+              <a:t>17.04.2020</a:t>
             </a:fld>
             <a:endParaRPr lang="ru-RU"/>
           </a:p>
@@ -1112,7 +1318,7 @@
           <a:lstStyle/>
           <a:p>
             <a:r>
-              <a:rPr lang="ru-RU" smtClean="0"/>
+              <a:rPr lang="ru-RU"/>
               <a:t>Образец заголовка</a:t>
             </a:r>
             <a:endParaRPr lang="en-US"/>
@@ -1136,35 +1342,35 @@
           <a:p>
             <a:pPr lvl="0"/>
             <a:r>
-              <a:rPr lang="ru-RU" smtClean="0"/>
+              <a:rPr lang="ru-RU"/>
               <a:t>Образец текста</a:t>
             </a:r>
           </a:p>
           <a:p>
             <a:pPr lvl="1"/>
             <a:r>
-              <a:rPr lang="ru-RU" smtClean="0"/>
+              <a:rPr lang="ru-RU"/>
               <a:t>Второй уровень</a:t>
             </a:r>
           </a:p>
           <a:p>
             <a:pPr lvl="2"/>
             <a:r>
-              <a:rPr lang="ru-RU" smtClean="0"/>
+              <a:rPr lang="ru-RU"/>
               <a:t>Третий уровень</a:t>
             </a:r>
           </a:p>
           <a:p>
             <a:pPr lvl="3"/>
             <a:r>
-              <a:rPr lang="ru-RU" smtClean="0"/>
+              <a:rPr lang="ru-RU"/>
               <a:t>Четвертый уровень</a:t>
             </a:r>
           </a:p>
           <a:p>
             <a:pPr lvl="4"/>
             <a:r>
-              <a:rPr lang="ru-RU" smtClean="0"/>
+              <a:rPr lang="ru-RU"/>
               <a:t>Пятый уровень</a:t>
             </a:r>
             <a:endParaRPr lang="en-US" dirty="0"/>
@@ -1188,7 +1394,7 @@
           <a:p>
             <a:fld id="{C14F4D0B-68E4-4C14-BD4D-319F9BD213A3}" type="datetimeFigureOut">
               <a:rPr lang="ru-RU" smtClean="0"/>
-              <a:t>02.11.2018</a:t>
+              <a:t>17.04.2020</a:t>
             </a:fld>
             <a:endParaRPr lang="ru-RU"/>
           </a:p>
@@ -1287,7 +1493,7 @@
           <a:lstStyle/>
           <a:p>
             <a:r>
-              <a:rPr lang="ru-RU" smtClean="0"/>
+              <a:rPr lang="ru-RU"/>
               <a:t>Образец заголовка</a:t>
             </a:r>
             <a:endParaRPr lang="en-US"/>
@@ -1316,35 +1522,35 @@
           <a:p>
             <a:pPr lvl="0"/>
             <a:r>
-              <a:rPr lang="ru-RU" smtClean="0"/>
+              <a:rPr lang="ru-RU"/>
               <a:t>Образец текста</a:t>
             </a:r>
           </a:p>
           <a:p>
             <a:pPr lvl="1"/>
             <a:r>
-              <a:rPr lang="ru-RU" smtClean="0"/>
+              <a:rPr lang="ru-RU"/>
               <a:t>Второй уровень</a:t>
             </a:r>
           </a:p>
           <a:p>
             <a:pPr lvl="2"/>
             <a:r>
-              <a:rPr lang="ru-RU" smtClean="0"/>
+              <a:rPr lang="ru-RU"/>
               <a:t>Третий уровень</a:t>
             </a:r>
           </a:p>
           <a:p>
             <a:pPr lvl="3"/>
             <a:r>
-              <a:rPr lang="ru-RU" smtClean="0"/>
+              <a:rPr lang="ru-RU"/>
               <a:t>Четвертый уровень</a:t>
             </a:r>
           </a:p>
           <a:p>
             <a:pPr lvl="4"/>
             <a:r>
-              <a:rPr lang="ru-RU" smtClean="0"/>
+              <a:rPr lang="ru-RU"/>
               <a:t>Пятый уровень</a:t>
             </a:r>
             <a:endParaRPr lang="en-US"/>
@@ -1368,7 +1574,7 @@
           <a:p>
             <a:fld id="{C14F4D0B-68E4-4C14-BD4D-319F9BD213A3}" type="datetimeFigureOut">
               <a:rPr lang="ru-RU" smtClean="0"/>
-              <a:t>02.11.2018</a:t>
+              <a:t>17.04.2020</a:t>
             </a:fld>
             <a:endParaRPr lang="ru-RU"/>
           </a:p>
@@ -1462,7 +1668,7 @@
           <a:lstStyle/>
           <a:p>
             <a:r>
-              <a:rPr lang="ru-RU" smtClean="0"/>
+              <a:rPr lang="ru-RU"/>
               <a:t>Образец заголовка</a:t>
             </a:r>
             <a:endParaRPr lang="en-US" dirty="0"/>
@@ -1486,35 +1692,35 @@
           <a:p>
             <a:pPr lvl="0"/>
             <a:r>
-              <a:rPr lang="ru-RU" smtClean="0"/>
+              <a:rPr lang="ru-RU"/>
               <a:t>Образец текста</a:t>
             </a:r>
           </a:p>
           <a:p>
             <a:pPr lvl="1"/>
             <a:r>
-              <a:rPr lang="ru-RU" smtClean="0"/>
+              <a:rPr lang="ru-RU"/>
               <a:t>Второй уровень</a:t>
             </a:r>
           </a:p>
           <a:p>
             <a:pPr lvl="2"/>
             <a:r>
-              <a:rPr lang="ru-RU" smtClean="0"/>
+              <a:rPr lang="ru-RU"/>
               <a:t>Третий уровень</a:t>
             </a:r>
           </a:p>
           <a:p>
             <a:pPr lvl="3"/>
             <a:r>
-              <a:rPr lang="ru-RU" smtClean="0"/>
+              <a:rPr lang="ru-RU"/>
               <a:t>Четвертый уровень</a:t>
             </a:r>
           </a:p>
           <a:p>
             <a:pPr lvl="4"/>
             <a:r>
-              <a:rPr lang="ru-RU" smtClean="0"/>
+              <a:rPr lang="ru-RU"/>
               <a:t>Пятый уровень</a:t>
             </a:r>
             <a:endParaRPr lang="en-US" dirty="0"/>
@@ -1538,7 +1744,7 @@
           <a:p>
             <a:fld id="{C14F4D0B-68E4-4C14-BD4D-319F9BD213A3}" type="datetimeFigureOut">
               <a:rPr lang="ru-RU" smtClean="0"/>
-              <a:t>02.11.2018</a:t>
+              <a:t>17.04.2020</a:t>
             </a:fld>
             <a:endParaRPr lang="ru-RU"/>
           </a:p>
@@ -1643,7 +1849,7 @@
           </a:lstStyle>
           <a:p>
             <a:r>
-              <a:rPr lang="ru-RU" smtClean="0"/>
+              <a:rPr lang="ru-RU"/>
               <a:t>Образец заголовка</a:t>
             </a:r>
             <a:endParaRPr lang="en-US" dirty="0"/>
@@ -1766,7 +1972,7 @@
           <a:p>
             <a:pPr lvl="0"/>
             <a:r>
-              <a:rPr lang="ru-RU" smtClean="0"/>
+              <a:rPr lang="ru-RU"/>
               <a:t>Образец текста</a:t>
             </a:r>
           </a:p>
@@ -1789,7 +1995,7 @@
           <a:p>
             <a:fld id="{C14F4D0B-68E4-4C14-BD4D-319F9BD213A3}" type="datetimeFigureOut">
               <a:rPr lang="ru-RU" smtClean="0"/>
-              <a:t>02.11.2018</a:t>
+              <a:t>17.04.2020</a:t>
             </a:fld>
             <a:endParaRPr lang="ru-RU"/>
           </a:p>
@@ -1883,7 +2089,7 @@
           <a:lstStyle/>
           <a:p>
             <a:r>
-              <a:rPr lang="ru-RU" smtClean="0"/>
+              <a:rPr lang="ru-RU"/>
               <a:t>Образец заголовка</a:t>
             </a:r>
             <a:endParaRPr lang="en-US" dirty="0"/>
@@ -1912,35 +2118,35 @@
           <a:p>
             <a:pPr lvl="0"/>
             <a:r>
-              <a:rPr lang="ru-RU" smtClean="0"/>
+              <a:rPr lang="ru-RU"/>
               <a:t>Образец текста</a:t>
             </a:r>
           </a:p>
           <a:p>
             <a:pPr lvl="1"/>
             <a:r>
-              <a:rPr lang="ru-RU" smtClean="0"/>
+              <a:rPr lang="ru-RU"/>
               <a:t>Второй уровень</a:t>
             </a:r>
           </a:p>
           <a:p>
             <a:pPr lvl="2"/>
             <a:r>
-              <a:rPr lang="ru-RU" smtClean="0"/>
+              <a:rPr lang="ru-RU"/>
               <a:t>Третий уровень</a:t>
             </a:r>
           </a:p>
           <a:p>
             <a:pPr lvl="3"/>
             <a:r>
-              <a:rPr lang="ru-RU" smtClean="0"/>
+              <a:rPr lang="ru-RU"/>
               <a:t>Четвертый уровень</a:t>
             </a:r>
           </a:p>
           <a:p>
             <a:pPr lvl="4"/>
             <a:r>
-              <a:rPr lang="ru-RU" smtClean="0"/>
+              <a:rPr lang="ru-RU"/>
               <a:t>Пятый уровень</a:t>
             </a:r>
             <a:endParaRPr lang="en-US" dirty="0"/>
@@ -1969,35 +2175,35 @@
           <a:p>
             <a:pPr lvl="0"/>
             <a:r>
-              <a:rPr lang="ru-RU" smtClean="0"/>
+              <a:rPr lang="ru-RU"/>
               <a:t>Образец текста</a:t>
             </a:r>
           </a:p>
           <a:p>
             <a:pPr lvl="1"/>
             <a:r>
-              <a:rPr lang="ru-RU" smtClean="0"/>
+              <a:rPr lang="ru-RU"/>
               <a:t>Второй уровень</a:t>
             </a:r>
           </a:p>
           <a:p>
             <a:pPr lvl="2"/>
             <a:r>
-              <a:rPr lang="ru-RU" smtClean="0"/>
+              <a:rPr lang="ru-RU"/>
               <a:t>Третий уровень</a:t>
             </a:r>
           </a:p>
           <a:p>
             <a:pPr lvl="3"/>
             <a:r>
-              <a:rPr lang="ru-RU" smtClean="0"/>
+              <a:rPr lang="ru-RU"/>
               <a:t>Четвертый уровень</a:t>
             </a:r>
           </a:p>
           <a:p>
             <a:pPr lvl="4"/>
             <a:r>
-              <a:rPr lang="ru-RU" smtClean="0"/>
+              <a:rPr lang="ru-RU"/>
               <a:t>Пятый уровень</a:t>
             </a:r>
             <a:endParaRPr lang="en-US" dirty="0"/>
@@ -2021,7 +2227,7 @@
           <a:p>
             <a:fld id="{C14F4D0B-68E4-4C14-BD4D-319F9BD213A3}" type="datetimeFigureOut">
               <a:rPr lang="ru-RU" smtClean="0"/>
-              <a:t>02.11.2018</a:t>
+              <a:t>17.04.2020</a:t>
             </a:fld>
             <a:endParaRPr lang="ru-RU"/>
           </a:p>
@@ -2163,7 +2369,7 @@
           <a:p>
             <a:pPr lvl="0"/>
             <a:r>
-              <a:rPr lang="ru-RU" smtClean="0"/>
+              <a:rPr lang="ru-RU"/>
               <a:t>Образец текста</a:t>
             </a:r>
           </a:p>
@@ -2191,35 +2397,35 @@
           <a:p>
             <a:pPr lvl="0"/>
             <a:r>
-              <a:rPr lang="ru-RU" smtClean="0"/>
+              <a:rPr lang="ru-RU"/>
               <a:t>Образец текста</a:t>
             </a:r>
           </a:p>
           <a:p>
             <a:pPr lvl="1"/>
             <a:r>
-              <a:rPr lang="ru-RU" smtClean="0"/>
+              <a:rPr lang="ru-RU"/>
               <a:t>Второй уровень</a:t>
             </a:r>
           </a:p>
           <a:p>
             <a:pPr lvl="2"/>
             <a:r>
-              <a:rPr lang="ru-RU" smtClean="0"/>
+              <a:rPr lang="ru-RU"/>
               <a:t>Третий уровень</a:t>
             </a:r>
           </a:p>
           <a:p>
             <a:pPr lvl="3"/>
             <a:r>
-              <a:rPr lang="ru-RU" smtClean="0"/>
+              <a:rPr lang="ru-RU"/>
               <a:t>Четвертый уровень</a:t>
             </a:r>
           </a:p>
           <a:p>
             <a:pPr lvl="4"/>
             <a:r>
-              <a:rPr lang="ru-RU" smtClean="0"/>
+              <a:rPr lang="ru-RU"/>
               <a:t>Пятый уровень</a:t>
             </a:r>
             <a:endParaRPr lang="en-US" dirty="0"/>
@@ -2288,7 +2494,7 @@
           <a:p>
             <a:pPr lvl="0"/>
             <a:r>
-              <a:rPr lang="ru-RU" smtClean="0"/>
+              <a:rPr lang="ru-RU"/>
               <a:t>Образец текста</a:t>
             </a:r>
           </a:p>
@@ -2316,35 +2522,35 @@
           <a:p>
             <a:pPr lvl="0"/>
             <a:r>
-              <a:rPr lang="ru-RU" smtClean="0"/>
+              <a:rPr lang="ru-RU"/>
               <a:t>Образец текста</a:t>
             </a:r>
           </a:p>
           <a:p>
             <a:pPr lvl="1"/>
             <a:r>
-              <a:rPr lang="ru-RU" smtClean="0"/>
+              <a:rPr lang="ru-RU"/>
               <a:t>Второй уровень</a:t>
             </a:r>
           </a:p>
           <a:p>
             <a:pPr lvl="2"/>
             <a:r>
-              <a:rPr lang="ru-RU" smtClean="0"/>
+              <a:rPr lang="ru-RU"/>
               <a:t>Третий уровень</a:t>
             </a:r>
           </a:p>
           <a:p>
             <a:pPr lvl="3"/>
             <a:r>
-              <a:rPr lang="ru-RU" smtClean="0"/>
+              <a:rPr lang="ru-RU"/>
               <a:t>Четвертый уровень</a:t>
             </a:r>
           </a:p>
           <a:p>
             <a:pPr lvl="4"/>
             <a:r>
-              <a:rPr lang="ru-RU" smtClean="0"/>
+              <a:rPr lang="ru-RU"/>
               <a:t>Пятый уровень</a:t>
             </a:r>
             <a:endParaRPr lang="en-US"/>
@@ -2368,7 +2574,7 @@
           <a:p>
             <a:fld id="{C14F4D0B-68E4-4C14-BD4D-319F9BD213A3}" type="datetimeFigureOut">
               <a:rPr lang="ru-RU" smtClean="0"/>
-              <a:t>02.11.2018</a:t>
+              <a:t>17.04.2020</a:t>
             </a:fld>
             <a:endParaRPr lang="ru-RU"/>
           </a:p>
@@ -2432,7 +2638,7 @@
           <a:lstStyle/>
           <a:p>
             <a:r>
-              <a:rPr lang="ru-RU" smtClean="0"/>
+              <a:rPr lang="ru-RU"/>
               <a:t>Образец заголовка</a:t>
             </a:r>
             <a:endParaRPr lang="en-US" dirty="0"/>
@@ -2486,7 +2692,7 @@
           <a:p>
             <a:fld id="{C14F4D0B-68E4-4C14-BD4D-319F9BD213A3}" type="datetimeFigureOut">
               <a:rPr lang="ru-RU" smtClean="0"/>
-              <a:t>02.11.2018</a:t>
+              <a:t>17.04.2020</a:t>
             </a:fld>
             <a:endParaRPr lang="ru-RU"/>
           </a:p>
@@ -2550,7 +2756,7 @@
           <a:lstStyle/>
           <a:p>
             <a:r>
-              <a:rPr lang="ru-RU" smtClean="0"/>
+              <a:rPr lang="ru-RU"/>
               <a:t>Образец заголовка</a:t>
             </a:r>
             <a:endParaRPr lang="en-US"/>
@@ -2604,7 +2810,7 @@
           <a:p>
             <a:fld id="{C14F4D0B-68E4-4C14-BD4D-319F9BD213A3}" type="datetimeFigureOut">
               <a:rPr lang="ru-RU" smtClean="0"/>
-              <a:t>02.11.2018</a:t>
+              <a:t>17.04.2020</a:t>
             </a:fld>
             <a:endParaRPr lang="ru-RU"/>
           </a:p>
@@ -2709,7 +2915,7 @@
           </a:lstStyle>
           <a:p>
             <a:r>
-              <a:rPr lang="ru-RU" smtClean="0"/>
+              <a:rPr lang="ru-RU"/>
               <a:t>Образец заголовка</a:t>
             </a:r>
             <a:endParaRPr lang="en-US" dirty="0"/>
@@ -2766,35 +2972,35 @@
           <a:p>
             <a:pPr lvl="0"/>
             <a:r>
-              <a:rPr lang="ru-RU" smtClean="0"/>
+              <a:rPr lang="ru-RU"/>
               <a:t>Образец текста</a:t>
             </a:r>
           </a:p>
           <a:p>
             <a:pPr lvl="1"/>
             <a:r>
-              <a:rPr lang="ru-RU" smtClean="0"/>
+              <a:rPr lang="ru-RU"/>
               <a:t>Второй уровень</a:t>
             </a:r>
           </a:p>
           <a:p>
             <a:pPr lvl="2"/>
             <a:r>
-              <a:rPr lang="ru-RU" smtClean="0"/>
+              <a:rPr lang="ru-RU"/>
               <a:t>Третий уровень</a:t>
             </a:r>
           </a:p>
           <a:p>
             <a:pPr lvl="3"/>
             <a:r>
-              <a:rPr lang="ru-RU" smtClean="0"/>
+              <a:rPr lang="ru-RU"/>
               <a:t>Четвертый уровень</a:t>
             </a:r>
           </a:p>
           <a:p>
             <a:pPr lvl="4"/>
             <a:r>
-              <a:rPr lang="ru-RU" smtClean="0"/>
+              <a:rPr lang="ru-RU"/>
               <a:t>Пятый уровень</a:t>
             </a:r>
             <a:endParaRPr lang="en-US" dirty="0"/>
@@ -2865,7 +3071,7 @@
           <a:p>
             <a:pPr lvl="0"/>
             <a:r>
-              <a:rPr lang="ru-RU" smtClean="0"/>
+              <a:rPr lang="ru-RU"/>
               <a:t>Образец текста</a:t>
             </a:r>
           </a:p>
@@ -2888,7 +3094,7 @@
           <a:p>
             <a:fld id="{C14F4D0B-68E4-4C14-BD4D-319F9BD213A3}" type="datetimeFigureOut">
               <a:rPr lang="ru-RU" smtClean="0"/>
-              <a:t>02.11.2018</a:t>
+              <a:t>17.04.2020</a:t>
             </a:fld>
             <a:endParaRPr lang="ru-RU"/>
           </a:p>
@@ -2993,7 +3199,7 @@
           </a:lstStyle>
           <a:p>
             <a:r>
-              <a:rPr lang="ru-RU" smtClean="0"/>
+              <a:rPr lang="ru-RU"/>
               <a:t>Образец заголовка</a:t>
             </a:r>
             <a:endParaRPr lang="en-US" dirty="0"/>
@@ -3058,7 +3264,7 @@
           </a:lstStyle>
           <a:p>
             <a:r>
-              <a:rPr lang="ru-RU" smtClean="0"/>
+              <a:rPr lang="ru-RU"/>
               <a:t>Вставка рисунка</a:t>
             </a:r>
             <a:endParaRPr lang="en-US" dirty="0"/>
@@ -3129,7 +3335,7 @@
           <a:p>
             <a:pPr lvl="0"/>
             <a:r>
-              <a:rPr lang="ru-RU" smtClean="0"/>
+              <a:rPr lang="ru-RU"/>
               <a:t>Образец текста</a:t>
             </a:r>
           </a:p>
@@ -3152,7 +3358,7 @@
           <a:p>
             <a:fld id="{C14F4D0B-68E4-4C14-BD4D-319F9BD213A3}" type="datetimeFigureOut">
               <a:rPr lang="ru-RU" smtClean="0"/>
-              <a:t>02.11.2018</a:t>
+              <a:t>17.04.2020</a:t>
             </a:fld>
             <a:endParaRPr lang="ru-RU"/>
           </a:p>
@@ -3261,7 +3467,7 @@
           <a:lstStyle/>
           <a:p>
             <a:r>
-              <a:rPr lang="ru-RU" smtClean="0"/>
+              <a:rPr lang="ru-RU"/>
               <a:t>Образец заголовка</a:t>
             </a:r>
             <a:endParaRPr lang="en-US" dirty="0"/>
@@ -3295,35 +3501,35 @@
           <a:p>
             <a:pPr lvl="0"/>
             <a:r>
-              <a:rPr lang="ru-RU" smtClean="0"/>
+              <a:rPr lang="ru-RU"/>
               <a:t>Образец текста</a:t>
             </a:r>
           </a:p>
           <a:p>
             <a:pPr lvl="1"/>
             <a:r>
-              <a:rPr lang="ru-RU" smtClean="0"/>
+              <a:rPr lang="ru-RU"/>
               <a:t>Второй уровень</a:t>
             </a:r>
           </a:p>
           <a:p>
             <a:pPr lvl="2"/>
             <a:r>
-              <a:rPr lang="ru-RU" smtClean="0"/>
+              <a:rPr lang="ru-RU"/>
               <a:t>Третий уровень</a:t>
             </a:r>
           </a:p>
           <a:p>
             <a:pPr lvl="3"/>
             <a:r>
-              <a:rPr lang="ru-RU" smtClean="0"/>
+              <a:rPr lang="ru-RU"/>
               <a:t>Четвертый уровень</a:t>
             </a:r>
           </a:p>
           <a:p>
             <a:pPr lvl="4"/>
             <a:r>
-              <a:rPr lang="ru-RU" smtClean="0"/>
+              <a:rPr lang="ru-RU"/>
               <a:t>Пятый уровень</a:t>
             </a:r>
             <a:endParaRPr lang="en-US" dirty="0"/>
@@ -3366,7 +3572,7 @@
           <a:p>
             <a:fld id="{C14F4D0B-68E4-4C14-BD4D-319F9BD213A3}" type="datetimeFigureOut">
               <a:rPr lang="ru-RU" smtClean="0"/>
-              <a:t>02.11.2018</a:t>
+              <a:t>17.04.2020</a:t>
             </a:fld>
             <a:endParaRPr lang="ru-RU"/>
           </a:p>
@@ -3876,7 +4082,7 @@
           <a:lstStyle/>
           <a:p>
             <a:r>
-              <a:rPr lang="ru-RU" sz="3600" b="1" dirty="0" smtClean="0">
+              <a:rPr lang="ru-RU" sz="3600" b="1" dirty="0">
                 <a:solidFill>
                   <a:srgbClr val="0064B5"/>
                 </a:solidFill>
@@ -3885,13 +4091,6 @@
               </a:rPr>
               <a:t>Пространственное распределение объектов</a:t>
             </a:r>
-            <a:endParaRPr lang="ru-RU" sz="3600" b="1" dirty="0">
-              <a:solidFill>
-                <a:srgbClr val="0064B5"/>
-              </a:solidFill>
-              <a:latin typeface="Arial" pitchFamily="34" charset="0"/>
-              <a:cs typeface="Arial" pitchFamily="34" charset="0"/>
-            </a:endParaRPr>
           </a:p>
         </p:txBody>
       </p:sp>
@@ -3925,43 +4124,43 @@
               <a:t>spatstat</a:t>
             </a:r>
             <a:r>
-              <a:rPr lang="en-US" dirty="0" smtClean="0"/>
+              <a:rPr lang="en-US" dirty="0"/>
               <a:t>)</a:t>
             </a:r>
-            <a:endParaRPr lang="ru-RU" dirty="0" smtClean="0"/>
-          </a:p>
-          <a:p>
-            <a:r>
-              <a:rPr lang="ru-RU" dirty="0" smtClean="0"/>
+            <a:endParaRPr lang="ru-RU" dirty="0"/>
+          </a:p>
+          <a:p>
+            <a:r>
+              <a:rPr lang="ru-RU" dirty="0"/>
               <a:t>Функция создания модели </a:t>
             </a:r>
           </a:p>
           <a:p>
             <a:r>
-              <a:rPr lang="en-US" dirty="0" err="1" smtClean="0"/>
+              <a:rPr lang="en-US" dirty="0" err="1"/>
               <a:t>ppp</a:t>
             </a:r>
             <a:r>
-              <a:rPr lang="en-US" dirty="0" smtClean="0"/>
+              <a:rPr lang="en-US" dirty="0"/>
               <a:t>()</a:t>
             </a:r>
           </a:p>
           <a:p>
-            <a:endParaRPr lang="en-US" dirty="0" smtClean="0"/>
-          </a:p>
-          <a:p>
-            <a:r>
-              <a:rPr lang="ru-RU" dirty="0" smtClean="0"/>
+            <a:endParaRPr lang="en-US" dirty="0"/>
+          </a:p>
+          <a:p>
+            <a:r>
+              <a:rPr lang="ru-RU" dirty="0"/>
               <a:t>Функция разбиения на квадраты</a:t>
             </a:r>
           </a:p>
           <a:p>
             <a:r>
-              <a:rPr lang="en-US" dirty="0" smtClean="0"/>
+              <a:rPr lang="en-US" dirty="0"/>
               <a:t>quadrats</a:t>
             </a:r>
             <a:r>
-              <a:rPr lang="ru-RU" dirty="0" smtClean="0"/>
+              <a:rPr lang="ru-RU" dirty="0"/>
               <a:t>()</a:t>
             </a:r>
           </a:p>
@@ -3970,23 +4169,23 @@
           </a:p>
           <a:p>
             <a:r>
-              <a:rPr lang="ru-RU" dirty="0" smtClean="0"/>
+              <a:rPr lang="ru-RU" dirty="0"/>
               <a:t>Гипотеза про значимость вероятности </a:t>
             </a:r>
           </a:p>
           <a:p>
             <a:r>
-              <a:rPr lang="ru-RU" dirty="0" smtClean="0"/>
+              <a:rPr lang="ru-RU" dirty="0"/>
               <a:t>попадания в квадрат</a:t>
             </a:r>
           </a:p>
           <a:p>
             <a:r>
-              <a:rPr lang="en-US" dirty="0" err="1" smtClean="0"/>
+              <a:rPr lang="en-US" dirty="0" err="1"/>
               <a:t>quadrat.test</a:t>
             </a:r>
             <a:r>
-              <a:rPr lang="ru-RU" dirty="0" smtClean="0"/>
+              <a:rPr lang="ru-RU" dirty="0"/>
               <a:t>()</a:t>
             </a:r>
           </a:p>
@@ -3995,7 +4194,7 @@
           </a:p>
           <a:p>
             <a:r>
-              <a:rPr lang="ru-RU" dirty="0" smtClean="0"/>
+              <a:rPr lang="ru-RU" dirty="0"/>
               <a:t>Построение карт плотностей</a:t>
             </a:r>
           </a:p>
@@ -4005,11 +4204,11 @@
               <a:t>density.ppp</a:t>
             </a:r>
             <a:r>
-              <a:rPr lang="en-US" dirty="0" smtClean="0"/>
+              <a:rPr lang="en-US" dirty="0"/>
               <a:t>(</a:t>
             </a:r>
             <a:r>
-              <a:rPr lang="ru-RU" dirty="0" smtClean="0"/>
+              <a:rPr lang="ru-RU" dirty="0"/>
               <a:t>)</a:t>
             </a:r>
           </a:p>
@@ -4018,13 +4217,13 @@
           </a:p>
           <a:p>
             <a:r>
-              <a:rPr lang="ru-RU" dirty="0" smtClean="0"/>
+              <a:rPr lang="ru-RU" dirty="0"/>
               <a:t>Функция для просмотра критических </a:t>
             </a:r>
           </a:p>
           <a:p>
             <a:r>
-              <a:rPr lang="ru-RU" dirty="0" smtClean="0"/>
+              <a:rPr lang="ru-RU" dirty="0"/>
               <a:t>областей</a:t>
             </a:r>
           </a:p>
@@ -4034,11 +4233,11 @@
               <a:t>relrisk</a:t>
             </a:r>
             <a:r>
-              <a:rPr lang="en-US" dirty="0" smtClean="0"/>
+              <a:rPr lang="en-US" dirty="0"/>
               <a:t>(</a:t>
             </a:r>
             <a:r>
-              <a:rPr lang="ru-RU" dirty="0" smtClean="0"/>
+              <a:rPr lang="ru-RU" dirty="0"/>
               <a:t>)</a:t>
             </a:r>
           </a:p>
@@ -4119,21 +4318,8 @@
               <a:buNone/>
               <a:tabLst/>
             </a:pPr>
-            <a:r>
-              <a:rPr kumimoji="0" lang="en-US" altLang="en-US" sz="1800" b="0" i="0" u="none" strike="noStrike" cap="none" normalizeH="0" baseline="0" smtClean="0">
-                <a:ln>
-                  <a:noFill/>
-                </a:ln>
-                <a:solidFill>
-                  <a:schemeClr val="tx1"/>
-                </a:solidFill>
-                <a:effectLst/>
-                <a:latin typeface="Arial" panose="020B0604020202020204" pitchFamily="34" charset="0"/>
-              </a:rPr>
-              <a:t/>
-            </a:r>
             <a:br>
-              <a:rPr kumimoji="0" lang="en-US" altLang="en-US" sz="1800" b="0" i="0" u="none" strike="noStrike" cap="none" normalizeH="0" baseline="0" smtClean="0">
+              <a:rPr kumimoji="0" lang="en-US" altLang="en-US" sz="1800" b="0" i="0" u="none" strike="noStrike" cap="none" normalizeH="0" baseline="0">
                 <a:ln>
                   <a:noFill/>
                 </a:ln>
@@ -4144,7 +4330,7 @@
                 <a:latin typeface="Arial" panose="020B0604020202020204" pitchFamily="34" charset="0"/>
               </a:rPr>
             </a:br>
-            <a:endParaRPr kumimoji="0" lang="en-US" altLang="en-US" sz="1800" b="0" i="0" u="none" strike="noStrike" cap="none" normalizeH="0" baseline="0" smtClean="0">
+            <a:endParaRPr kumimoji="0" lang="en-US" altLang="en-US" sz="1800" b="0" i="0" u="none" strike="noStrike" cap="none" normalizeH="0" baseline="0">
               <a:ln>
                 <a:noFill/>
               </a:ln>
@@ -4190,13 +4376,6 @@
   <p:clrMapOvr>
     <a:masterClrMapping/>
   </p:clrMapOvr>
-  <p:timing>
-    <p:tnLst>
-      <p:par>
-        <p:cTn id="1" dur="indefinite" restart="never" nodeType="tmRoot"/>
-      </p:par>
-    </p:tnLst>
-  </p:timing>
 </p:sld>
 </file>
 
@@ -4333,32 +4512,15 @@
           <a:lstStyle/>
           <a:p>
             <a:r>
-              <a:rPr lang="ru-RU" sz="3600" b="1" dirty="0" smtClean="0">
+              <a:rPr lang="ru-RU" sz="3600" b="1" dirty="0">
                 <a:solidFill>
                   <a:srgbClr val="0064B5"/>
                 </a:solidFill>
                 <a:latin typeface="Arial" pitchFamily="34" charset="0"/>
                 <a:cs typeface="Arial" pitchFamily="34" charset="0"/>
               </a:rPr>
-              <a:t>Задание </a:t>
-            </a:r>
-            <a:r>
-              <a:rPr lang="ru-RU" sz="3600" b="1" dirty="0" smtClean="0">
-                <a:solidFill>
-                  <a:srgbClr val="0064B5"/>
-                </a:solidFill>
-                <a:latin typeface="Arial" pitchFamily="34" charset="0"/>
-                <a:cs typeface="Arial" pitchFamily="34" charset="0"/>
-              </a:rPr>
-              <a:t>1</a:t>
-            </a:r>
-            <a:endParaRPr lang="ru-RU" sz="3600" b="1" dirty="0">
-              <a:solidFill>
-                <a:srgbClr val="0064B5"/>
-              </a:solidFill>
-              <a:latin typeface="Arial" pitchFamily="34" charset="0"/>
-              <a:cs typeface="Arial" pitchFamily="34" charset="0"/>
-            </a:endParaRPr>
+              <a:t>Задание 1</a:t>
+            </a:r>
           </a:p>
         </p:txBody>
       </p:sp>
@@ -4387,21 +4549,21 @@
               <a:buAutoNum type="arabicPeriod"/>
             </a:pPr>
             <a:r>
-              <a:rPr lang="ru-RU" sz="2400" dirty="0" smtClean="0"/>
+              <a:rPr lang="ru-RU" sz="2400" dirty="0"/>
               <a:t>Загрузить данные </a:t>
             </a:r>
             <a:r>
-              <a:rPr lang="en-US" sz="2400" dirty="0" smtClean="0"/>
+              <a:rPr lang="en-US" sz="2400" dirty="0"/>
               <a:t>conflicts.csv</a:t>
             </a:r>
-            <a:endParaRPr lang="ru-RU" sz="2400" dirty="0" smtClean="0"/>
+            <a:endParaRPr lang="ru-RU" sz="2400" dirty="0"/>
           </a:p>
           <a:p>
             <a:pPr marL="457200" indent="-457200">
               <a:buAutoNum type="arabicPeriod"/>
             </a:pPr>
             <a:r>
-              <a:rPr lang="ru-RU" sz="2400" dirty="0" smtClean="0"/>
+              <a:rPr lang="ru-RU" sz="2400" dirty="0"/>
               <a:t>Построить пространственное распределение конфликтов в Европе и в Украине.</a:t>
             </a:r>
           </a:p>
@@ -4410,7 +4572,7 @@
               <a:buAutoNum type="arabicPeriod"/>
             </a:pPr>
             <a:r>
-              <a:rPr lang="ru-RU" sz="2400" dirty="0" smtClean="0"/>
+              <a:rPr lang="ru-RU" sz="2400" dirty="0"/>
               <a:t>Для Украины:</a:t>
             </a:r>
           </a:p>
@@ -4420,7 +4582,7 @@
               <a:buChar char="-"/>
             </a:pPr>
             <a:r>
-              <a:rPr lang="ru-RU" sz="2400" dirty="0" smtClean="0"/>
+              <a:rPr lang="ru-RU" sz="2400" dirty="0"/>
               <a:t>определить какой регион представлен на реальной карте;</a:t>
             </a:r>
           </a:p>
@@ -4431,11 +4593,7 @@
             </a:pPr>
             <a:r>
               <a:rPr lang="ru-RU" sz="2400" dirty="0"/>
-              <a:t>к</a:t>
-            </a:r>
-            <a:r>
-              <a:rPr lang="ru-RU" sz="2400" dirty="0" smtClean="0"/>
-              <a:t>лассифицировать точки по годам;</a:t>
+              <a:t>классифицировать точки по годам;</a:t>
             </a:r>
           </a:p>
           <a:p>
@@ -4444,22 +4602,21 @@
               <a:buChar char="-"/>
             </a:pPr>
             <a:r>
-              <a:rPr lang="ru-RU" sz="2400" dirty="0" smtClean="0"/>
+              <a:rPr lang="ru-RU" sz="2400" dirty="0"/>
               <a:t>построить плотностное распределение.</a:t>
             </a:r>
           </a:p>
           <a:p>
             <a:r>
-              <a:rPr lang="ru-RU" sz="2400" dirty="0" smtClean="0"/>
+              <a:rPr lang="ru-RU" sz="2400" dirty="0"/>
               <a:t>4. Для Европы:</a:t>
             </a:r>
           </a:p>
           <a:p>
             <a:r>
-              <a:rPr lang="ru-RU" sz="2400" dirty="0" smtClean="0"/>
+              <a:rPr lang="ru-RU" sz="2400" dirty="0"/>
               <a:t>- построить изоклины для распределения конфликтов, в которых 2 и 3 уровень конфликтов составляет больше 20 % случаев. </a:t>
             </a:r>
-            <a:endParaRPr lang="ru-RU" sz="2400" dirty="0"/>
           </a:p>
         </p:txBody>
       </p:sp>
@@ -4473,13 +4630,6 @@
   <p:clrMapOvr>
     <a:masterClrMapping/>
   </p:clrMapOvr>
-  <p:timing>
-    <p:tnLst>
-      <p:par>
-        <p:cTn id="1" dur="indefinite" restart="never" nodeType="tmRoot"/>
-      </p:par>
-    </p:tnLst>
-  </p:timing>
 </p:sld>
 </file>
 
@@ -4616,7 +4766,7 @@
           <a:lstStyle/>
           <a:p>
             <a:r>
-              <a:rPr lang="ru-RU" sz="3600" b="1" dirty="0" smtClean="0">
+              <a:rPr lang="ru-RU" sz="3600" b="1" dirty="0">
                 <a:solidFill>
                   <a:srgbClr val="0064B5"/>
                 </a:solidFill>
@@ -4625,13 +4775,6 @@
               </a:rPr>
               <a:t>Построение картограмм</a:t>
             </a:r>
-            <a:endParaRPr lang="ru-RU" sz="3600" b="1" dirty="0">
-              <a:solidFill>
-                <a:srgbClr val="0064B5"/>
-              </a:solidFill>
-              <a:latin typeface="Arial" pitchFamily="34" charset="0"/>
-              <a:cs typeface="Arial" pitchFamily="34" charset="0"/>
-            </a:endParaRPr>
           </a:p>
         </p:txBody>
       </p:sp>
@@ -4665,22 +4808,22 @@
               <a:t>maptools</a:t>
             </a:r>
             <a:r>
-              <a:rPr lang="en-US" dirty="0" smtClean="0"/>
+              <a:rPr lang="en-US" dirty="0"/>
               <a:t>)</a:t>
             </a:r>
-            <a:endParaRPr lang="ru-RU" dirty="0" smtClean="0"/>
-          </a:p>
-          <a:p>
-            <a:r>
-              <a:rPr lang="ru-RU" dirty="0" smtClean="0"/>
+            <a:endParaRPr lang="ru-RU" dirty="0"/>
+          </a:p>
+          <a:p>
+            <a:r>
+              <a:rPr lang="ru-RU" dirty="0"/>
               <a:t>Чтение </a:t>
             </a:r>
             <a:r>
-              <a:rPr lang="en-US" dirty="0" smtClean="0"/>
+              <a:rPr lang="en-US" dirty="0"/>
               <a:t>shape-</a:t>
             </a:r>
             <a:r>
-              <a:rPr lang="ru-RU" dirty="0" smtClean="0"/>
+              <a:rPr lang="ru-RU" dirty="0"/>
               <a:t>файлов</a:t>
             </a:r>
           </a:p>
@@ -4691,30 +4834,26 @@
             </a:r>
             <a:r>
               <a:rPr lang="en-US" dirty="0"/>
-              <a:t>("Fra_adm1.shp</a:t>
-            </a:r>
-            <a:r>
-              <a:rPr lang="en-US" dirty="0" smtClean="0"/>
-              <a:t>")</a:t>
-            </a:r>
-            <a:endParaRPr lang="ru-RU" dirty="0" smtClean="0"/>
-          </a:p>
-          <a:p>
-            <a:endParaRPr lang="en-US" dirty="0" smtClean="0"/>
-          </a:p>
-          <a:p>
-            <a:r>
-              <a:rPr lang="ru-RU" dirty="0" smtClean="0"/>
+              <a:t>("Fra_adm1.shp")</a:t>
+            </a:r>
+            <a:endParaRPr lang="ru-RU" dirty="0"/>
+          </a:p>
+          <a:p>
+            <a:endParaRPr lang="en-US" dirty="0"/>
+          </a:p>
+          <a:p>
+            <a:r>
+              <a:rPr lang="ru-RU" dirty="0"/>
               <a:t>Функция построение карт</a:t>
             </a:r>
           </a:p>
           <a:p>
             <a:r>
-              <a:rPr lang="en-US" dirty="0" err="1" smtClean="0"/>
+              <a:rPr lang="en-US" dirty="0" err="1"/>
               <a:t>spplot</a:t>
             </a:r>
             <a:r>
-              <a:rPr lang="ru-RU" dirty="0" smtClean="0"/>
+              <a:rPr lang="ru-RU" dirty="0"/>
               <a:t>()</a:t>
             </a:r>
           </a:p>
@@ -4724,14 +4863,10 @@
           <a:p>
             <a:r>
               <a:rPr lang="ru-RU" dirty="0"/>
-              <a:t>Функция построение </a:t>
-            </a:r>
-            <a:r>
-              <a:rPr lang="ru-RU" dirty="0" smtClean="0"/>
-              <a:t>карт</a:t>
-            </a:r>
-            <a:r>
-              <a:rPr lang="en-US" dirty="0" smtClean="0"/>
+              <a:t>Функция построение карт</a:t>
+            </a:r>
+            <a:r>
+              <a:rPr lang="en-US" dirty="0"/>
               <a:t> ggplot2</a:t>
             </a:r>
             <a:endParaRPr lang="ru-RU" dirty="0"/>
@@ -4750,12 +4885,12 @@
               <a:t>geom_map</a:t>
             </a:r>
             <a:r>
-              <a:rPr lang="en-US" dirty="0" smtClean="0"/>
+              <a:rPr lang="en-US" dirty="0"/>
               <a:t>() </a:t>
             </a:r>
           </a:p>
           <a:p>
-            <a:endParaRPr lang="ru-RU" dirty="0" smtClean="0"/>
+            <a:endParaRPr lang="ru-RU" dirty="0"/>
           </a:p>
         </p:txBody>
       </p:sp>
@@ -4834,21 +4969,8 @@
               <a:buNone/>
               <a:tabLst/>
             </a:pPr>
-            <a:r>
-              <a:rPr kumimoji="0" lang="en-US" altLang="en-US" sz="1800" b="0" i="0" u="none" strike="noStrike" cap="none" normalizeH="0" baseline="0" smtClean="0">
-                <a:ln>
-                  <a:noFill/>
-                </a:ln>
-                <a:solidFill>
-                  <a:schemeClr val="tx1"/>
-                </a:solidFill>
-                <a:effectLst/>
-                <a:latin typeface="Arial" panose="020B0604020202020204" pitchFamily="34" charset="0"/>
-              </a:rPr>
-              <a:t/>
-            </a:r>
             <a:br>
-              <a:rPr kumimoji="0" lang="en-US" altLang="en-US" sz="1800" b="0" i="0" u="none" strike="noStrike" cap="none" normalizeH="0" baseline="0" smtClean="0">
+              <a:rPr kumimoji="0" lang="en-US" altLang="en-US" sz="1800" b="0" i="0" u="none" strike="noStrike" cap="none" normalizeH="0" baseline="0">
                 <a:ln>
                   <a:noFill/>
                 </a:ln>
@@ -4859,7 +4981,7 @@
                 <a:latin typeface="Arial" panose="020B0604020202020204" pitchFamily="34" charset="0"/>
               </a:rPr>
             </a:br>
-            <a:endParaRPr kumimoji="0" lang="en-US" altLang="en-US" sz="1800" b="0" i="0" u="none" strike="noStrike" cap="none" normalizeH="0" baseline="0" smtClean="0">
+            <a:endParaRPr kumimoji="0" lang="en-US" altLang="en-US" sz="1800" b="0" i="0" u="none" strike="noStrike" cap="none" normalizeH="0" baseline="0">
               <a:ln>
                 <a:noFill/>
               </a:ln>
@@ -4929,13 +5051,6 @@
   <p:clrMapOvr>
     <a:masterClrMapping/>
   </p:clrMapOvr>
-  <p:timing>
-    <p:tnLst>
-      <p:par>
-        <p:cTn id="1" dur="indefinite" restart="never" nodeType="tmRoot"/>
-      </p:par>
-    </p:tnLst>
-  </p:timing>
 </p:sld>
 </file>
 
@@ -5072,24 +5187,14 @@
           <a:lstStyle/>
           <a:p>
             <a:r>
-              <a:rPr lang="ru-RU" sz="3600" b="1" smtClean="0">
+              <a:rPr lang="ru-RU" sz="3600" b="1">
                 <a:solidFill>
                   <a:srgbClr val="0064B5"/>
                 </a:solidFill>
                 <a:latin typeface="Arial" pitchFamily="34" charset="0"/>
                 <a:cs typeface="Arial" pitchFamily="34" charset="0"/>
               </a:rPr>
-              <a:t>Задание </a:t>
-            </a:r>
-            <a:r>
-              <a:rPr lang="ru-RU" sz="3600" b="1" smtClean="0">
-                <a:solidFill>
-                  <a:srgbClr val="0064B5"/>
-                </a:solidFill>
-                <a:latin typeface="Arial" pitchFamily="34" charset="0"/>
-                <a:cs typeface="Arial" pitchFamily="34" charset="0"/>
-              </a:rPr>
-              <a:t>2</a:t>
+              <a:t>Задание 2</a:t>
             </a:r>
             <a:endParaRPr lang="ru-RU" sz="3600" b="1" dirty="0">
               <a:solidFill>
@@ -5126,15 +5231,15 @@
               <a:buAutoNum type="arabicPeriod"/>
             </a:pPr>
             <a:r>
-              <a:rPr lang="ru-RU" sz="2400" dirty="0" smtClean="0"/>
+              <a:rPr lang="ru-RU" sz="2400" dirty="0"/>
               <a:t>Загрузить </a:t>
             </a:r>
             <a:r>
-              <a:rPr lang="en-US" sz="2400" dirty="0" smtClean="0"/>
+              <a:rPr lang="en-US" sz="2400" dirty="0"/>
               <a:t>shape-</a:t>
             </a:r>
             <a:r>
-              <a:rPr lang="ru-RU" sz="2400" dirty="0" smtClean="0"/>
+              <a:rPr lang="ru-RU" sz="2400" dirty="0"/>
               <a:t>файл с областями Украины.</a:t>
             </a:r>
           </a:p>
@@ -5143,7 +5248,7 @@
               <a:buAutoNum type="arabicPeriod"/>
             </a:pPr>
             <a:r>
-              <a:rPr lang="ru-RU" sz="2400" dirty="0" smtClean="0"/>
+              <a:rPr lang="ru-RU" sz="2400" dirty="0"/>
               <a:t>Построить картограммы для Дохода населения на 1 особу и Валовому региональному продукту (ВРП) по регионам за 2016 год.</a:t>
             </a:r>
           </a:p>
@@ -5152,51 +5257,43 @@
               <a:buAutoNum type="arabicPeriod"/>
             </a:pPr>
             <a:r>
-              <a:rPr lang="ru-RU" sz="2400" dirty="0" smtClean="0"/>
-              <a:t>По данным за 2006-2015 года для каждого региона рассчитать коэффициент корреляции между Доходом </a:t>
-            </a:r>
-            <a:r>
               <a:rPr lang="ru-RU" sz="2400" dirty="0"/>
-              <a:t>населения на 1 особу и </a:t>
-            </a:r>
-            <a:r>
-              <a:rPr lang="ru-RU" sz="2400" dirty="0" smtClean="0"/>
-              <a:t>ВРП. Отобразить на картограмме.</a:t>
-            </a:r>
-          </a:p>
-          <a:p>
-            <a:r>
-              <a:rPr lang="ru-RU" sz="2400" dirty="0" smtClean="0"/>
+              <a:t>По данным за 2006-2015 года для каждого региона рассчитать коэффициент корреляции между Доходом населения на 1 особу и ВРП. Отобразить на картограмме.</a:t>
+            </a:r>
+          </a:p>
+          <a:p>
+            <a:r>
+              <a:rPr lang="ru-RU" sz="2400" dirty="0"/>
               <a:t>Используя функции </a:t>
             </a:r>
             <a:r>
-              <a:rPr lang="en-US" sz="2400" dirty="0" smtClean="0"/>
+              <a:rPr lang="en-US" sz="2400" dirty="0"/>
               <a:t>apply, </a:t>
             </a:r>
             <a:r>
-              <a:rPr lang="en-US" sz="2400" dirty="0" err="1" smtClean="0"/>
+              <a:rPr lang="en-US" sz="2400" dirty="0" err="1"/>
               <a:t>sapply</a:t>
             </a:r>
             <a:r>
-              <a:rPr lang="en-US" sz="2400" dirty="0" smtClean="0"/>
+              <a:rPr lang="en-US" sz="2400" dirty="0"/>
               <a:t> </a:t>
             </a:r>
             <a:r>
-              <a:rPr lang="ru-RU" sz="2400" dirty="0" smtClean="0"/>
+              <a:rPr lang="ru-RU" sz="2400" dirty="0"/>
               <a:t>или </a:t>
             </a:r>
             <a:r>
-              <a:rPr lang="en-US" sz="2400" dirty="0" err="1" smtClean="0"/>
+              <a:rPr lang="en-US" sz="2400" dirty="0" err="1"/>
               <a:t>lapply</a:t>
             </a:r>
-            <a:endParaRPr lang="ru-RU" sz="2400" dirty="0" smtClean="0"/>
+            <a:endParaRPr lang="ru-RU" sz="2400" dirty="0"/>
           </a:p>
           <a:p>
             <a:pPr marL="457200" indent="-457200">
               <a:buAutoNum type="arabicPeriod"/>
             </a:pPr>
             <a:r>
-              <a:rPr lang="ru-RU" sz="2400" dirty="0" smtClean="0"/>
+              <a:rPr lang="ru-RU" sz="2400" dirty="0"/>
               <a:t>Посчитать в каждом году количество регионов, у которых зарплата выше средней по Украине за этот год.</a:t>
             </a:r>
           </a:p>
@@ -5205,7 +5302,7 @@
               <a:buAutoNum type="arabicPeriod"/>
             </a:pPr>
             <a:r>
-              <a:rPr lang="ru-RU" sz="2400" dirty="0" smtClean="0"/>
+              <a:rPr lang="ru-RU" sz="2400" dirty="0"/>
               <a:t>Построить графики ВРП для всех регионов Украины.</a:t>
             </a:r>
           </a:p>
@@ -5213,22 +5310,22 @@
             <a:pPr marL="457200" indent="-457200">
               <a:buAutoNum type="arabicPeriod"/>
             </a:pPr>
-            <a:endParaRPr lang="ru-RU" sz="2400" dirty="0" smtClean="0"/>
-          </a:p>
-          <a:p>
             <a:endParaRPr lang="ru-RU" sz="2400" dirty="0"/>
           </a:p>
           <a:p>
-            <a:r>
-              <a:rPr lang="ru-RU" sz="2400" dirty="0" err="1" smtClean="0"/>
+            <a:endParaRPr lang="ru-RU" sz="2400" dirty="0"/>
+          </a:p>
+          <a:p>
+            <a:r>
+              <a:rPr lang="ru-RU" sz="2400" dirty="0" err="1"/>
               <a:t>П.с</a:t>
             </a:r>
             <a:r>
-              <a:rPr lang="ru-RU" sz="2400" dirty="0" smtClean="0"/>
+              <a:rPr lang="ru-RU" sz="2400" dirty="0"/>
               <a:t>. Данные найти в интернете. </a:t>
             </a:r>
             <a:r>
-              <a:rPr lang="ru-RU" sz="2400" dirty="0" smtClean="0">
+              <a:rPr lang="ru-RU" sz="2400" dirty="0">
                 <a:sym typeface="Wingdings" panose="05000000000000000000" pitchFamily="2" charset="2"/>
               </a:rPr>
               <a:t></a:t>
@@ -5247,13 +5344,824 @@
   <p:clrMapOvr>
     <a:masterClrMapping/>
   </p:clrMapOvr>
-  <p:timing>
-    <p:tnLst>
-      <p:par>
-        <p:cTn id="1" dur="indefinite" restart="never" nodeType="tmRoot"/>
-      </p:par>
-    </p:tnLst>
-  </p:timing>
+</p:sld>
+</file>
+
+<file path=ppt/slides/slide5.xml><?xml version="1.0" encoding="utf-8"?>
+<p:sld xmlns:a="http://schemas.openxmlformats.org/drawingml/2006/main" xmlns:r="http://schemas.openxmlformats.org/officeDocument/2006/relationships" xmlns:p="http://schemas.openxmlformats.org/presentationml/2006/main">
+  <p:cSld>
+    <p:spTree>
+      <p:nvGrpSpPr>
+        <p:cNvPr id="1" name=""/>
+        <p:cNvGrpSpPr/>
+        <p:nvPr/>
+      </p:nvGrpSpPr>
+      <p:grpSpPr>
+        <a:xfrm>
+          <a:off x="0" y="0"/>
+          <a:ext cx="0" cy="0"/>
+          <a:chOff x="0" y="0"/>
+          <a:chExt cx="0" cy="0"/>
+        </a:xfrm>
+      </p:grpSpPr>
+      <p:grpSp>
+        <p:nvGrpSpPr>
+          <p:cNvPr id="9" name="Группа 8"/>
+          <p:cNvGrpSpPr/>
+          <p:nvPr/>
+        </p:nvGrpSpPr>
+        <p:grpSpPr>
+          <a:xfrm>
+            <a:off x="231641" y="804755"/>
+            <a:ext cx="8583930" cy="83408"/>
+            <a:chOff x="240030" y="759941"/>
+            <a:chExt cx="8583930" cy="83408"/>
+          </a:xfrm>
+        </p:grpSpPr>
+        <p:cxnSp>
+          <p:nvCxnSpPr>
+            <p:cNvPr id="2" name="Прямая соединительная линия 1"/>
+            <p:cNvCxnSpPr/>
+            <p:nvPr/>
+          </p:nvCxnSpPr>
+          <p:spPr>
+            <a:xfrm>
+              <a:off x="560070" y="759941"/>
+              <a:ext cx="8263890" cy="0"/>
+            </a:xfrm>
+            <a:prstGeom prst="line">
+              <a:avLst/>
+            </a:prstGeom>
+            <a:ln w="76200" cap="flat" cmpd="sng" algn="ctr">
+              <a:solidFill>
+                <a:srgbClr val="0064B5"/>
+              </a:solidFill>
+              <a:prstDash val="solid"/>
+              <a:round/>
+              <a:headEnd type="none" w="med" len="sm"/>
+              <a:tailEnd type="none" w="med" len="sm"/>
+            </a:ln>
+          </p:spPr>
+          <p:style>
+            <a:lnRef idx="1">
+              <a:schemeClr val="accent1"/>
+            </a:lnRef>
+            <a:fillRef idx="0">
+              <a:schemeClr val="accent1"/>
+            </a:fillRef>
+            <a:effectRef idx="0">
+              <a:schemeClr val="accent1"/>
+            </a:effectRef>
+            <a:fontRef idx="minor">
+              <a:schemeClr val="tx1"/>
+            </a:fontRef>
+          </p:style>
+        </p:cxnSp>
+        <p:cxnSp>
+          <p:nvCxnSpPr>
+            <p:cNvPr id="3" name="Прямая соединительная линия 2"/>
+            <p:cNvCxnSpPr/>
+            <p:nvPr/>
+          </p:nvCxnSpPr>
+          <p:spPr>
+            <a:xfrm>
+              <a:off x="240030" y="843349"/>
+              <a:ext cx="8286750" cy="0"/>
+            </a:xfrm>
+            <a:prstGeom prst="line">
+              <a:avLst/>
+            </a:prstGeom>
+            <a:ln w="76200" cap="flat" cmpd="sng" algn="ctr">
+              <a:solidFill>
+                <a:srgbClr val="F5A200"/>
+              </a:solidFill>
+              <a:prstDash val="solid"/>
+              <a:round/>
+              <a:headEnd type="none" w="med" len="sm"/>
+              <a:tailEnd type="none" w="med" len="sm"/>
+            </a:ln>
+          </p:spPr>
+          <p:style>
+            <a:lnRef idx="1">
+              <a:schemeClr val="accent1"/>
+            </a:lnRef>
+            <a:fillRef idx="0">
+              <a:schemeClr val="accent1"/>
+            </a:fillRef>
+            <a:effectRef idx="0">
+              <a:schemeClr val="accent1"/>
+            </a:effectRef>
+            <a:fontRef idx="minor">
+              <a:schemeClr val="tx1"/>
+            </a:fontRef>
+          </p:style>
+        </p:cxnSp>
+      </p:grpSp>
+      <p:sp>
+        <p:nvSpPr>
+          <p:cNvPr id="5" name="TextBox 4"/>
+          <p:cNvSpPr txBox="1"/>
+          <p:nvPr/>
+        </p:nvSpPr>
+        <p:spPr>
+          <a:xfrm>
+            <a:off x="491506" y="135310"/>
+            <a:ext cx="8504712" cy="629326"/>
+          </a:xfrm>
+          <a:prstGeom prst="rect">
+            <a:avLst/>
+          </a:prstGeom>
+          <a:noFill/>
+        </p:spPr>
+        <p:txBody>
+          <a:bodyPr vert="horz" wrap="square" lIns="74600" tIns="37300" rIns="74600" bIns="37300" rtlCol="0">
+            <a:spAutoFit/>
+          </a:bodyPr>
+          <a:lstStyle/>
+          <a:p>
+            <a:r>
+              <a:rPr lang="ru-RU" sz="3600" b="1" dirty="0">
+                <a:solidFill>
+                  <a:srgbClr val="0064B5"/>
+                </a:solidFill>
+                <a:latin typeface="Arial" pitchFamily="34" charset="0"/>
+                <a:cs typeface="Arial" pitchFamily="34" charset="0"/>
+              </a:rPr>
+              <a:t>Деревья решений</a:t>
+            </a:r>
+          </a:p>
+        </p:txBody>
+      </p:sp>
+      <p:sp>
+        <p:nvSpPr>
+          <p:cNvPr id="7" name="Прямоугольник 6"/>
+          <p:cNvSpPr/>
+          <p:nvPr/>
+        </p:nvSpPr>
+        <p:spPr>
+          <a:xfrm>
+            <a:off x="300524" y="1030293"/>
+            <a:ext cx="7752907" cy="5632311"/>
+          </a:xfrm>
+          <a:prstGeom prst="rect">
+            <a:avLst/>
+          </a:prstGeom>
+        </p:spPr>
+        <p:txBody>
+          <a:bodyPr wrap="square">
+            <a:spAutoFit/>
+          </a:bodyPr>
+          <a:lstStyle/>
+          <a:p>
+            <a:r>
+              <a:rPr lang="ru-RU" sz="2400" dirty="0"/>
+              <a:t>Используются для задач классификации и регрессии. </a:t>
+            </a:r>
+          </a:p>
+          <a:p>
+            <a:endParaRPr lang="ru-RU" sz="2400" dirty="0"/>
+          </a:p>
+          <a:p>
+            <a:r>
+              <a:rPr lang="ru-RU" sz="2400" dirty="0"/>
+              <a:t>Типы алгоритмов:</a:t>
+            </a:r>
+          </a:p>
+          <a:p>
+            <a:pPr marL="342900" indent="-342900">
+              <a:buFontTx/>
+              <a:buChar char="-"/>
+            </a:pPr>
+            <a:r>
+              <a:rPr lang="ru-RU" sz="2400" dirty="0"/>
+              <a:t>Одиночное дерево </a:t>
+            </a:r>
+            <a:endParaRPr lang="en-US" sz="2400" dirty="0"/>
+          </a:p>
+          <a:p>
+            <a:r>
+              <a:rPr lang="ru-RU" sz="2400" dirty="0"/>
+              <a:t>(возможно с настройкой </a:t>
+            </a:r>
+            <a:endParaRPr lang="en-US" sz="2400" dirty="0"/>
+          </a:p>
+          <a:p>
+            <a:r>
+              <a:rPr lang="ru-RU" sz="2400" dirty="0"/>
+              <a:t>параметров);</a:t>
+            </a:r>
+          </a:p>
+          <a:p>
+            <a:pPr marL="342900" indent="-342900">
+              <a:buFontTx/>
+              <a:buChar char="-"/>
+            </a:pPr>
+            <a:r>
+              <a:rPr lang="ru-RU" sz="2400" dirty="0"/>
+              <a:t>Ансамбль деревьев;</a:t>
+            </a:r>
+          </a:p>
+          <a:p>
+            <a:pPr marL="342900" indent="-342900">
+              <a:buFontTx/>
+              <a:buChar char="-"/>
+            </a:pPr>
+            <a:r>
+              <a:rPr lang="en-US" sz="2400" dirty="0"/>
+              <a:t>Random forest.</a:t>
+            </a:r>
+            <a:endParaRPr lang="ru-RU" sz="2400" dirty="0"/>
+          </a:p>
+          <a:p>
+            <a:endParaRPr lang="en-US" sz="2400" dirty="0"/>
+          </a:p>
+          <a:p>
+            <a:endParaRPr lang="en-US" sz="2400" dirty="0"/>
+          </a:p>
+          <a:p>
+            <a:endParaRPr lang="en-US" sz="2400" dirty="0"/>
+          </a:p>
+          <a:p>
+            <a:r>
+              <a:rPr lang="ru-RU" sz="2400" dirty="0"/>
+              <a:t>Критерии деления:</a:t>
+            </a:r>
+          </a:p>
+          <a:p>
+            <a:pPr marL="342900" indent="-342900">
+              <a:buFontTx/>
+              <a:buChar char="-"/>
+            </a:pPr>
+            <a:r>
+              <a:rPr lang="ru-RU" sz="2400" dirty="0"/>
+              <a:t>С предметной точки зрения;</a:t>
+            </a:r>
+          </a:p>
+          <a:p>
+            <a:pPr marL="285750" indent="-285750">
+              <a:buFontTx/>
+              <a:buChar char="-"/>
+            </a:pPr>
+            <a:r>
+              <a:rPr lang="ru-RU" sz="2400" dirty="0"/>
+              <a:t>Увеличивая коэффициент </a:t>
+            </a:r>
+            <a:r>
+              <a:rPr lang="en-US" sz="2400" dirty="0"/>
+              <a:t>GINI;</a:t>
+            </a:r>
+            <a:endParaRPr lang="ru-RU" sz="2400" dirty="0"/>
+          </a:p>
+          <a:p>
+            <a:pPr marL="285750" indent="-285750">
+              <a:buFontTx/>
+              <a:buChar char="-"/>
+            </a:pPr>
+            <a:r>
+              <a:rPr lang="ru-RU" sz="2400" dirty="0"/>
+              <a:t>Уменьшая дисперсию групп.</a:t>
+            </a:r>
+            <a:endParaRPr lang="en-US" sz="2400" dirty="0"/>
+          </a:p>
+        </p:txBody>
+      </p:sp>
+      <p:sp>
+        <p:nvSpPr>
+          <p:cNvPr id="11" name="Rectangle 3"/>
+          <p:cNvSpPr>
+            <a:spLocks noChangeArrowheads="1"/>
+          </p:cNvSpPr>
+          <p:nvPr/>
+        </p:nvSpPr>
+        <p:spPr bwMode="auto">
+          <a:xfrm>
+            <a:off x="2797175" y="1828800"/>
+            <a:ext cx="9144000" cy="0"/>
+          </a:xfrm>
+          <a:prstGeom prst="rect">
+            <a:avLst/>
+          </a:prstGeom>
+          <a:noFill/>
+          <a:ln>
+            <a:noFill/>
+          </a:ln>
+          <a:effectLst/>
+          <a:extLst>
+            <a:ext uri="{909E8E84-426E-40DD-AFC4-6F175D3DCCD1}">
+              <a14:hiddenFill xmlns:a14="http://schemas.microsoft.com/office/drawing/2010/main">
+                <a:solidFill>
+                  <a:schemeClr val="accent1"/>
+                </a:solidFill>
+              </a14:hiddenFill>
+            </a:ext>
+            <a:ext uri="{91240B29-F687-4F45-9708-019B960494DF}">
+              <a14:hiddenLine xmlns:a14="http://schemas.microsoft.com/office/drawing/2010/main" w="9525">
+                <a:solidFill>
+                  <a:schemeClr val="tx1"/>
+                </a:solidFill>
+                <a:miter lim="800000"/>
+                <a:headEnd/>
+                <a:tailEnd/>
+              </a14:hiddenLine>
+            </a:ext>
+            <a:ext uri="{AF507438-7753-43E0-B8FC-AC1667EBCBE1}">
+              <a14:hiddenEffects xmlns:a14="http://schemas.microsoft.com/office/drawing/2010/main">
+                <a:effectLst>
+                  <a:outerShdw dist="35921" dir="2700000" algn="ctr" rotWithShape="0">
+                    <a:schemeClr val="bg2"/>
+                  </a:outerShdw>
+                </a:effectLst>
+              </a14:hiddenEffects>
+            </a:ext>
+          </a:extLst>
+        </p:spPr>
+        <p:txBody>
+          <a:bodyPr vert="horz" wrap="none" lIns="91440" tIns="45720" rIns="91440" bIns="45720" numCol="1" anchor="ctr" anchorCtr="0" compatLnSpc="1">
+            <a:prstTxWarp prst="textNoShape">
+              <a:avLst/>
+            </a:prstTxWarp>
+            <a:spAutoFit/>
+          </a:bodyPr>
+          <a:lstStyle/>
+          <a:p>
+            <a:pPr marL="0" marR="0" lvl="0" indent="0" algn="l" defTabSz="914400" rtl="0" eaLnBrk="0" fontAlgn="base" latinLnBrk="0" hangingPunct="0">
+              <a:lnSpc>
+                <a:spcPct val="100000"/>
+              </a:lnSpc>
+              <a:spcBef>
+                <a:spcPct val="0"/>
+              </a:spcBef>
+              <a:spcAft>
+                <a:spcPct val="0"/>
+              </a:spcAft>
+              <a:buClrTx/>
+              <a:buSzTx/>
+              <a:buFontTx/>
+              <a:buNone/>
+              <a:tabLst/>
+            </a:pPr>
+            <a:br>
+              <a:rPr kumimoji="0" lang="en-US" altLang="en-US" sz="1800" b="0" i="0" u="none" strike="noStrike" cap="none" normalizeH="0" baseline="0">
+                <a:ln>
+                  <a:noFill/>
+                </a:ln>
+                <a:solidFill>
+                  <a:schemeClr val="tx1"/>
+                </a:solidFill>
+                <a:effectLst/>
+                <a:latin typeface="Arial" panose="020B0604020202020204" pitchFamily="34" charset="0"/>
+              </a:rPr>
+            </a:br>
+            <a:endParaRPr kumimoji="0" lang="en-US" altLang="en-US" sz="1800" b="0" i="0" u="none" strike="noStrike" cap="none" normalizeH="0" baseline="0">
+              <a:ln>
+                <a:noFill/>
+              </a:ln>
+              <a:solidFill>
+                <a:schemeClr val="tx1"/>
+              </a:solidFill>
+              <a:effectLst/>
+              <a:latin typeface="Arial" panose="020B0604020202020204" pitchFamily="34" charset="0"/>
+            </a:endParaRPr>
+          </a:p>
+        </p:txBody>
+      </p:sp>
+      <p:pic>
+        <p:nvPicPr>
+          <p:cNvPr id="4" name="Рисунок 3">
+            <a:extLst>
+              <a:ext uri="{FF2B5EF4-FFF2-40B4-BE49-F238E27FC236}">
+                <a16:creationId xmlns:a16="http://schemas.microsoft.com/office/drawing/2014/main" id="{5DCFEC1E-7E2C-904C-9EF1-AE47B4F2695C}"/>
+              </a:ext>
+            </a:extLst>
+          </p:cNvPr>
+          <p:cNvPicPr>
+            <a:picLocks noChangeAspect="1"/>
+          </p:cNvPicPr>
+          <p:nvPr/>
+        </p:nvPicPr>
+        <p:blipFill>
+          <a:blip r:embed="rId3"/>
+          <a:stretch>
+            <a:fillRect/>
+          </a:stretch>
+        </p:blipFill>
+        <p:spPr>
+          <a:xfrm>
+            <a:off x="3717807" y="1571253"/>
+            <a:ext cx="4991295" cy="3715493"/>
+          </a:xfrm>
+          <a:prstGeom prst="rect">
+            <a:avLst/>
+          </a:prstGeom>
+        </p:spPr>
+      </p:pic>
+    </p:spTree>
+    <p:extLst>
+      <p:ext uri="{BB962C8B-B14F-4D97-AF65-F5344CB8AC3E}">
+        <p14:creationId xmlns:p14="http://schemas.microsoft.com/office/powerpoint/2010/main" val="2366332516"/>
+      </p:ext>
+    </p:extLst>
+  </p:cSld>
+  <p:clrMapOvr>
+    <a:masterClrMapping/>
+  </p:clrMapOvr>
+</p:sld>
+</file>
+
+<file path=ppt/slides/slide6.xml><?xml version="1.0" encoding="utf-8"?>
+<p:sld xmlns:a="http://schemas.openxmlformats.org/drawingml/2006/main" xmlns:r="http://schemas.openxmlformats.org/officeDocument/2006/relationships" xmlns:p="http://schemas.openxmlformats.org/presentationml/2006/main">
+  <p:cSld>
+    <p:spTree>
+      <p:nvGrpSpPr>
+        <p:cNvPr id="1" name=""/>
+        <p:cNvGrpSpPr/>
+        <p:nvPr/>
+      </p:nvGrpSpPr>
+      <p:grpSpPr>
+        <a:xfrm>
+          <a:off x="0" y="0"/>
+          <a:ext cx="0" cy="0"/>
+          <a:chOff x="0" y="0"/>
+          <a:chExt cx="0" cy="0"/>
+        </a:xfrm>
+      </p:grpSpPr>
+      <p:grpSp>
+        <p:nvGrpSpPr>
+          <p:cNvPr id="9" name="Группа 8"/>
+          <p:cNvGrpSpPr/>
+          <p:nvPr/>
+        </p:nvGrpSpPr>
+        <p:grpSpPr>
+          <a:xfrm>
+            <a:off x="231641" y="804755"/>
+            <a:ext cx="8583930" cy="83408"/>
+            <a:chOff x="240030" y="759941"/>
+            <a:chExt cx="8583930" cy="83408"/>
+          </a:xfrm>
+        </p:grpSpPr>
+        <p:cxnSp>
+          <p:nvCxnSpPr>
+            <p:cNvPr id="2" name="Прямая соединительная линия 1"/>
+            <p:cNvCxnSpPr/>
+            <p:nvPr/>
+          </p:nvCxnSpPr>
+          <p:spPr>
+            <a:xfrm>
+              <a:off x="560070" y="759941"/>
+              <a:ext cx="8263890" cy="0"/>
+            </a:xfrm>
+            <a:prstGeom prst="line">
+              <a:avLst/>
+            </a:prstGeom>
+            <a:ln w="76200" cap="flat" cmpd="sng" algn="ctr">
+              <a:solidFill>
+                <a:srgbClr val="0064B5"/>
+              </a:solidFill>
+              <a:prstDash val="solid"/>
+              <a:round/>
+              <a:headEnd type="none" w="med" len="sm"/>
+              <a:tailEnd type="none" w="med" len="sm"/>
+            </a:ln>
+          </p:spPr>
+          <p:style>
+            <a:lnRef idx="1">
+              <a:schemeClr val="accent1"/>
+            </a:lnRef>
+            <a:fillRef idx="0">
+              <a:schemeClr val="accent1"/>
+            </a:fillRef>
+            <a:effectRef idx="0">
+              <a:schemeClr val="accent1"/>
+            </a:effectRef>
+            <a:fontRef idx="minor">
+              <a:schemeClr val="tx1"/>
+            </a:fontRef>
+          </p:style>
+        </p:cxnSp>
+        <p:cxnSp>
+          <p:nvCxnSpPr>
+            <p:cNvPr id="3" name="Прямая соединительная линия 2"/>
+            <p:cNvCxnSpPr/>
+            <p:nvPr/>
+          </p:nvCxnSpPr>
+          <p:spPr>
+            <a:xfrm>
+              <a:off x="240030" y="843349"/>
+              <a:ext cx="8286750" cy="0"/>
+            </a:xfrm>
+            <a:prstGeom prst="line">
+              <a:avLst/>
+            </a:prstGeom>
+            <a:ln w="76200" cap="flat" cmpd="sng" algn="ctr">
+              <a:solidFill>
+                <a:srgbClr val="F5A200"/>
+              </a:solidFill>
+              <a:prstDash val="solid"/>
+              <a:round/>
+              <a:headEnd type="none" w="med" len="sm"/>
+              <a:tailEnd type="none" w="med" len="sm"/>
+            </a:ln>
+          </p:spPr>
+          <p:style>
+            <a:lnRef idx="1">
+              <a:schemeClr val="accent1"/>
+            </a:lnRef>
+            <a:fillRef idx="0">
+              <a:schemeClr val="accent1"/>
+            </a:fillRef>
+            <a:effectRef idx="0">
+              <a:schemeClr val="accent1"/>
+            </a:effectRef>
+            <a:fontRef idx="minor">
+              <a:schemeClr val="tx1"/>
+            </a:fontRef>
+          </p:style>
+        </p:cxnSp>
+      </p:grpSp>
+      <p:sp>
+        <p:nvSpPr>
+          <p:cNvPr id="5" name="TextBox 4"/>
+          <p:cNvSpPr txBox="1"/>
+          <p:nvPr/>
+        </p:nvSpPr>
+        <p:spPr>
+          <a:xfrm>
+            <a:off x="491506" y="135310"/>
+            <a:ext cx="8504712" cy="629326"/>
+          </a:xfrm>
+          <a:prstGeom prst="rect">
+            <a:avLst/>
+          </a:prstGeom>
+          <a:noFill/>
+        </p:spPr>
+        <p:txBody>
+          <a:bodyPr vert="horz" wrap="square" lIns="74600" tIns="37300" rIns="74600" bIns="37300" rtlCol="0">
+            <a:spAutoFit/>
+          </a:bodyPr>
+          <a:lstStyle/>
+          <a:p>
+            <a:r>
+              <a:rPr lang="ru-RU" sz="3600" b="1" dirty="0">
+                <a:solidFill>
+                  <a:srgbClr val="0064B5"/>
+                </a:solidFill>
+                <a:latin typeface="Arial" pitchFamily="34" charset="0"/>
+                <a:cs typeface="Arial" pitchFamily="34" charset="0"/>
+              </a:rPr>
+              <a:t>Задание</a:t>
+            </a:r>
+            <a:r>
+              <a:rPr lang="en-US" sz="3600" b="1" dirty="0">
+                <a:solidFill>
+                  <a:srgbClr val="0064B5"/>
+                </a:solidFill>
+                <a:latin typeface="Arial" pitchFamily="34" charset="0"/>
+                <a:cs typeface="Arial" pitchFamily="34" charset="0"/>
+              </a:rPr>
+              <a:t> 3</a:t>
+            </a:r>
+            <a:endParaRPr lang="ru-RU" sz="3600" b="1" dirty="0">
+              <a:solidFill>
+                <a:srgbClr val="0064B5"/>
+              </a:solidFill>
+              <a:latin typeface="Arial" pitchFamily="34" charset="0"/>
+              <a:cs typeface="Arial" pitchFamily="34" charset="0"/>
+            </a:endParaRPr>
+          </a:p>
+        </p:txBody>
+      </p:sp>
+      <p:sp>
+        <p:nvSpPr>
+          <p:cNvPr id="7" name="Прямоугольник 6"/>
+          <p:cNvSpPr/>
+          <p:nvPr/>
+        </p:nvSpPr>
+        <p:spPr>
+          <a:xfrm>
+            <a:off x="405628" y="1011691"/>
+            <a:ext cx="7752907" cy="4524315"/>
+          </a:xfrm>
+          <a:prstGeom prst="rect">
+            <a:avLst/>
+          </a:prstGeom>
+        </p:spPr>
+        <p:txBody>
+          <a:bodyPr wrap="square">
+            <a:spAutoFit/>
+          </a:bodyPr>
+          <a:lstStyle/>
+          <a:p>
+            <a:r>
+              <a:rPr lang="uk-UA" sz="2400" dirty="0"/>
+              <a:t>1. </a:t>
+            </a:r>
+            <a:r>
+              <a:rPr lang="uk-UA" sz="2400" dirty="0" err="1"/>
+              <a:t>Спрогнозировать</a:t>
+            </a:r>
+            <a:r>
+              <a:rPr lang="uk-UA" sz="2400" dirty="0"/>
+              <a:t> </a:t>
+            </a:r>
+            <a:r>
+              <a:rPr lang="uk-UA" sz="2400" dirty="0" err="1"/>
+              <a:t>цены</a:t>
+            </a:r>
+            <a:r>
+              <a:rPr lang="uk-UA" sz="2400" dirty="0"/>
+              <a:t> квартир </a:t>
+            </a:r>
+            <a:r>
+              <a:rPr lang="en" sz="2400" dirty="0">
+                <a:hlinkClick r:id="rId3"/>
+              </a:rPr>
+              <a:t>https://www.kaggle.com/c/house-prices-advanced-regression-techniques/data</a:t>
+            </a:r>
+            <a:r>
+              <a:rPr lang="ru-RU" sz="2400" dirty="0"/>
+              <a:t> :</a:t>
+            </a:r>
+          </a:p>
+          <a:p>
+            <a:pPr marL="914400" lvl="1" indent="-457200">
+              <a:buAutoNum type="arabicPeriod"/>
+            </a:pPr>
+            <a:r>
+              <a:rPr lang="ru-RU" sz="2400" dirty="0"/>
+              <a:t>Используя нейронную сеть;</a:t>
+            </a:r>
+          </a:p>
+          <a:p>
+            <a:pPr marL="914400" lvl="1" indent="-457200">
+              <a:buAutoNum type="arabicPeriod"/>
+            </a:pPr>
+            <a:r>
+              <a:rPr lang="ru-RU" sz="2400" dirty="0"/>
+              <a:t>Используя деревья решений;</a:t>
+            </a:r>
+          </a:p>
+          <a:p>
+            <a:pPr marL="914400" lvl="1" indent="-457200">
+              <a:buAutoNum type="arabicPeriod"/>
+            </a:pPr>
+            <a:r>
+              <a:rPr lang="ru-RU" sz="2400" dirty="0"/>
+              <a:t>Сравнить качество моделей. </a:t>
+            </a:r>
+          </a:p>
+          <a:p>
+            <a:endParaRPr lang="uk-UA" sz="2400" dirty="0"/>
+          </a:p>
+          <a:p>
+            <a:r>
+              <a:rPr lang="uk-UA" sz="2400" dirty="0"/>
+              <a:t> 2.  </a:t>
+            </a:r>
+            <a:r>
+              <a:rPr lang="ru-RU" sz="2400" dirty="0"/>
+              <a:t>Для данных по </a:t>
+            </a:r>
+            <a:r>
+              <a:rPr lang="ru-RU" sz="2400" dirty="0" err="1"/>
+              <a:t>титанику</a:t>
+            </a:r>
+            <a:r>
+              <a:rPr lang="ru-RU" sz="2400" dirty="0"/>
+              <a:t> </a:t>
+            </a:r>
+            <a:r>
+              <a:rPr lang="en" sz="2400" dirty="0"/>
+              <a:t>Day</a:t>
+            </a:r>
+            <a:r>
+              <a:rPr lang="ru-RU" sz="2400" dirty="0"/>
+              <a:t>6</a:t>
+            </a:r>
+            <a:r>
+              <a:rPr lang="en" sz="2400" dirty="0"/>
+              <a:t>-</a:t>
+            </a:r>
+            <a:r>
+              <a:rPr lang="en" sz="2400" dirty="0" err="1"/>
+              <a:t>titanic.csv</a:t>
+            </a:r>
+            <a:r>
+              <a:rPr lang="ru-RU" sz="2400" dirty="0"/>
+              <a:t> построить модель, в которой можно определить, выживет ли пассажир, заполнив остальные параметры. Использовать несколько видов деревьев решений. Сравнить результаты. </a:t>
+            </a:r>
+          </a:p>
+        </p:txBody>
+      </p:sp>
+      <p:sp>
+        <p:nvSpPr>
+          <p:cNvPr id="11" name="Rectangle 3"/>
+          <p:cNvSpPr>
+            <a:spLocks noChangeArrowheads="1"/>
+          </p:cNvSpPr>
+          <p:nvPr/>
+        </p:nvSpPr>
+        <p:spPr bwMode="auto">
+          <a:xfrm>
+            <a:off x="2797175" y="1828800"/>
+            <a:ext cx="9144000" cy="0"/>
+          </a:xfrm>
+          <a:prstGeom prst="rect">
+            <a:avLst/>
+          </a:prstGeom>
+          <a:noFill/>
+          <a:ln>
+            <a:noFill/>
+          </a:ln>
+          <a:effectLst/>
+          <a:extLst>
+            <a:ext uri="{909E8E84-426E-40DD-AFC4-6F175D3DCCD1}">
+              <a14:hiddenFill xmlns:a14="http://schemas.microsoft.com/office/drawing/2010/main">
+                <a:solidFill>
+                  <a:schemeClr val="accent1"/>
+                </a:solidFill>
+              </a14:hiddenFill>
+            </a:ext>
+            <a:ext uri="{91240B29-F687-4F45-9708-019B960494DF}">
+              <a14:hiddenLine xmlns:a14="http://schemas.microsoft.com/office/drawing/2010/main" w="9525">
+                <a:solidFill>
+                  <a:schemeClr val="tx1"/>
+                </a:solidFill>
+                <a:miter lim="800000"/>
+                <a:headEnd/>
+                <a:tailEnd/>
+              </a14:hiddenLine>
+            </a:ext>
+            <a:ext uri="{AF507438-7753-43E0-B8FC-AC1667EBCBE1}">
+              <a14:hiddenEffects xmlns:a14="http://schemas.microsoft.com/office/drawing/2010/main">
+                <a:effectLst>
+                  <a:outerShdw dist="35921" dir="2700000" algn="ctr" rotWithShape="0">
+                    <a:schemeClr val="bg2"/>
+                  </a:outerShdw>
+                </a:effectLst>
+              </a14:hiddenEffects>
+            </a:ext>
+          </a:extLst>
+        </p:spPr>
+        <p:txBody>
+          <a:bodyPr vert="horz" wrap="none" lIns="91440" tIns="45720" rIns="91440" bIns="45720" numCol="1" anchor="ctr" anchorCtr="0" compatLnSpc="1">
+            <a:prstTxWarp prst="textNoShape">
+              <a:avLst/>
+            </a:prstTxWarp>
+            <a:spAutoFit/>
+          </a:bodyPr>
+          <a:lstStyle/>
+          <a:p>
+            <a:pPr marL="0" marR="0" lvl="0" indent="0" algn="l" defTabSz="914400" rtl="0" eaLnBrk="0" fontAlgn="base" latinLnBrk="0" hangingPunct="0">
+              <a:lnSpc>
+                <a:spcPct val="100000"/>
+              </a:lnSpc>
+              <a:spcBef>
+                <a:spcPct val="0"/>
+              </a:spcBef>
+              <a:spcAft>
+                <a:spcPct val="0"/>
+              </a:spcAft>
+              <a:buClrTx/>
+              <a:buSzTx/>
+              <a:buFontTx/>
+              <a:buNone/>
+              <a:tabLst/>
+            </a:pPr>
+            <a:br>
+              <a:rPr kumimoji="0" lang="en-US" altLang="en-US" sz="1800" b="0" i="0" u="none" strike="noStrike" cap="none" normalizeH="0" baseline="0">
+                <a:ln>
+                  <a:noFill/>
+                </a:ln>
+                <a:solidFill>
+                  <a:schemeClr val="tx1"/>
+                </a:solidFill>
+                <a:effectLst/>
+                <a:latin typeface="Arial" panose="020B0604020202020204" pitchFamily="34" charset="0"/>
+              </a:rPr>
+            </a:br>
+            <a:endParaRPr kumimoji="0" lang="en-US" altLang="en-US" sz="1800" b="0" i="0" u="none" strike="noStrike" cap="none" normalizeH="0" baseline="0">
+              <a:ln>
+                <a:noFill/>
+              </a:ln>
+              <a:solidFill>
+                <a:schemeClr val="tx1"/>
+              </a:solidFill>
+              <a:effectLst/>
+              <a:latin typeface="Arial" panose="020B0604020202020204" pitchFamily="34" charset="0"/>
+            </a:endParaRPr>
+          </a:p>
+        </p:txBody>
+      </p:sp>
+    </p:spTree>
+    <p:extLst>
+      <p:ext uri="{BB962C8B-B14F-4D97-AF65-F5344CB8AC3E}">
+        <p14:creationId xmlns:p14="http://schemas.microsoft.com/office/powerpoint/2010/main" val="1388728728"/>
+      </p:ext>
+    </p:extLst>
+  </p:cSld>
+  <p:clrMapOvr>
+    <a:masterClrMapping/>
+  </p:clrMapOvr>
 </p:sld>
 </file>
 

--- a/DS_Sat_2020/DS-Day-10 R.pptx
+++ b/DS_Sat_2020/DS-Day-10 R.pptx
@@ -10,8 +10,8 @@
   <p:sldIdLst>
     <p:sldId id="306" r:id="rId2"/>
     <p:sldId id="310" r:id="rId3"/>
-    <p:sldId id="311" r:id="rId4"/>
-    <p:sldId id="312" r:id="rId5"/>
+    <p:sldId id="312" r:id="rId4"/>
+    <p:sldId id="309" r:id="rId5"/>
   </p:sldIdLst>
   <p:sldSz cx="9144000" cy="6858000" type="screen4x3"/>
   <p:notesSz cx="6858000" cy="9144000"/>
@@ -200,7 +200,7 @@
           <a:p>
             <a:fld id="{22783AA6-C1EF-448D-A48A-EF30DCBEFCCC}" type="datetimeFigureOut">
               <a:rPr lang="en-US" smtClean="0"/>
-              <a:t>11/13/20</a:t>
+              <a:t>11/14/20</a:t>
             </a:fld>
             <a:endParaRPr lang="en-US"/>
           </a:p>
@@ -764,7 +764,7 @@
     </p:spTree>
     <p:extLst>
       <p:ext uri="{BB962C8B-B14F-4D97-AF65-F5344CB8AC3E}">
-        <p14:creationId xmlns:p14="http://schemas.microsoft.com/office/powerpoint/2010/main" val="1861889061"/>
+        <p14:creationId xmlns:p14="http://schemas.microsoft.com/office/powerpoint/2010/main" val="3813952484"/>
       </p:ext>
     </p:extLst>
   </p:cSld>
@@ -866,7 +866,7 @@
     </p:spTree>
     <p:extLst>
       <p:ext uri="{BB962C8B-B14F-4D97-AF65-F5344CB8AC3E}">
-        <p14:creationId xmlns:p14="http://schemas.microsoft.com/office/powerpoint/2010/main" val="3813952484"/>
+        <p14:creationId xmlns:p14="http://schemas.microsoft.com/office/powerpoint/2010/main" val="1121687108"/>
       </p:ext>
     </p:extLst>
   </p:cSld>
@@ -1018,7 +1018,7 @@
           <a:p>
             <a:fld id="{C14F4D0B-68E4-4C14-BD4D-319F9BD213A3}" type="datetimeFigureOut">
               <a:rPr lang="ru-RU" smtClean="0"/>
-              <a:t>13.11.2020</a:t>
+              <a:t>14.11.2020</a:t>
             </a:fld>
             <a:endParaRPr lang="ru-RU"/>
           </a:p>
@@ -1188,7 +1188,7 @@
           <a:p>
             <a:fld id="{C14F4D0B-68E4-4C14-BD4D-319F9BD213A3}" type="datetimeFigureOut">
               <a:rPr lang="ru-RU" smtClean="0"/>
-              <a:t>13.11.2020</a:t>
+              <a:t>14.11.2020</a:t>
             </a:fld>
             <a:endParaRPr lang="ru-RU"/>
           </a:p>
@@ -1368,7 +1368,7 @@
           <a:p>
             <a:fld id="{C14F4D0B-68E4-4C14-BD4D-319F9BD213A3}" type="datetimeFigureOut">
               <a:rPr lang="ru-RU" smtClean="0"/>
-              <a:t>13.11.2020</a:t>
+              <a:t>14.11.2020</a:t>
             </a:fld>
             <a:endParaRPr lang="ru-RU"/>
           </a:p>
@@ -1538,7 +1538,7 @@
           <a:p>
             <a:fld id="{C14F4D0B-68E4-4C14-BD4D-319F9BD213A3}" type="datetimeFigureOut">
               <a:rPr lang="ru-RU" smtClean="0"/>
-              <a:t>13.11.2020</a:t>
+              <a:t>14.11.2020</a:t>
             </a:fld>
             <a:endParaRPr lang="ru-RU"/>
           </a:p>
@@ -1789,7 +1789,7 @@
           <a:p>
             <a:fld id="{C14F4D0B-68E4-4C14-BD4D-319F9BD213A3}" type="datetimeFigureOut">
               <a:rPr lang="ru-RU" smtClean="0"/>
-              <a:t>13.11.2020</a:t>
+              <a:t>14.11.2020</a:t>
             </a:fld>
             <a:endParaRPr lang="ru-RU"/>
           </a:p>
@@ -2021,7 +2021,7 @@
           <a:p>
             <a:fld id="{C14F4D0B-68E4-4C14-BD4D-319F9BD213A3}" type="datetimeFigureOut">
               <a:rPr lang="ru-RU" smtClean="0"/>
-              <a:t>13.11.2020</a:t>
+              <a:t>14.11.2020</a:t>
             </a:fld>
             <a:endParaRPr lang="ru-RU"/>
           </a:p>
@@ -2368,7 +2368,7 @@
           <a:p>
             <a:fld id="{C14F4D0B-68E4-4C14-BD4D-319F9BD213A3}" type="datetimeFigureOut">
               <a:rPr lang="ru-RU" smtClean="0"/>
-              <a:t>13.11.2020</a:t>
+              <a:t>14.11.2020</a:t>
             </a:fld>
             <a:endParaRPr lang="ru-RU"/>
           </a:p>
@@ -2486,7 +2486,7 @@
           <a:p>
             <a:fld id="{C14F4D0B-68E4-4C14-BD4D-319F9BD213A3}" type="datetimeFigureOut">
               <a:rPr lang="ru-RU" smtClean="0"/>
-              <a:t>13.11.2020</a:t>
+              <a:t>14.11.2020</a:t>
             </a:fld>
             <a:endParaRPr lang="ru-RU"/>
           </a:p>
@@ -2604,7 +2604,7 @@
           <a:p>
             <a:fld id="{C14F4D0B-68E4-4C14-BD4D-319F9BD213A3}" type="datetimeFigureOut">
               <a:rPr lang="ru-RU" smtClean="0"/>
-              <a:t>13.11.2020</a:t>
+              <a:t>14.11.2020</a:t>
             </a:fld>
             <a:endParaRPr lang="ru-RU"/>
           </a:p>
@@ -2888,7 +2888,7 @@
           <a:p>
             <a:fld id="{C14F4D0B-68E4-4C14-BD4D-319F9BD213A3}" type="datetimeFigureOut">
               <a:rPr lang="ru-RU" smtClean="0"/>
-              <a:t>13.11.2020</a:t>
+              <a:t>14.11.2020</a:t>
             </a:fld>
             <a:endParaRPr lang="ru-RU"/>
           </a:p>
@@ -3152,7 +3152,7 @@
           <a:p>
             <a:fld id="{C14F4D0B-68E4-4C14-BD4D-319F9BD213A3}" type="datetimeFigureOut">
               <a:rPr lang="ru-RU" smtClean="0"/>
-              <a:t>13.11.2020</a:t>
+              <a:t>14.11.2020</a:t>
             </a:fld>
             <a:endParaRPr lang="ru-RU"/>
           </a:p>
@@ -3366,7 +3366,7 @@
           <a:p>
             <a:fld id="{C14F4D0B-68E4-4C14-BD4D-319F9BD213A3}" type="datetimeFigureOut">
               <a:rPr lang="ru-RU" smtClean="0"/>
-              <a:t>13.11.2020</a:t>
+              <a:t>14.11.2020</a:t>
             </a:fld>
             <a:endParaRPr lang="ru-RU"/>
           </a:p>
@@ -4978,11 +4978,19 @@
             </a:r>
             <a:r>
               <a:rPr lang="ru-RU" sz="2400" dirty="0"/>
-              <a:t>-приложение для задания 2 из </a:t>
+              <a:t>-приложение для задания 1 из </a:t>
             </a:r>
             <a:r>
               <a:rPr lang="en-US" sz="2400" dirty="0"/>
-              <a:t>DS-Day-11. </a:t>
+              <a:t>Day</a:t>
+            </a:r>
+            <a:r>
+              <a:rPr lang="ru-RU" sz="2400" dirty="0"/>
+              <a:t> 8</a:t>
+            </a:r>
+            <a:r>
+              <a:rPr lang="en-US" sz="2400" dirty="0"/>
+              <a:t>. </a:t>
             </a:r>
             <a:r>
               <a:rPr lang="ru-RU" sz="2400" dirty="0"/>
@@ -5142,7 +5150,7 @@
     </p:spTree>
     <p:extLst>
       <p:ext uri="{BB962C8B-B14F-4D97-AF65-F5344CB8AC3E}">
-        <p14:creationId xmlns:p14="http://schemas.microsoft.com/office/powerpoint/2010/main" val="1985348321"/>
+        <p14:creationId xmlns:p14="http://schemas.microsoft.com/office/powerpoint/2010/main" val="3950711610"/>
       </p:ext>
     </p:extLst>
   </p:cSld>
@@ -5270,7 +5278,7 @@
         </p:nvSpPr>
         <p:spPr>
           <a:xfrm>
-            <a:off x="551681" y="258837"/>
+            <a:off x="491506" y="135310"/>
             <a:ext cx="8504712" cy="629326"/>
           </a:xfrm>
           <a:prstGeom prst="rect">
@@ -5295,14 +5303,14 @@
               <a:t>Задание</a:t>
             </a:r>
             <a:r>
-              <a:rPr lang="en-US" sz="3600" b="1" dirty="0">
+              <a:rPr lang="en-US" sz="3600" b="1">
                 <a:solidFill>
                   <a:srgbClr val="0064B5"/>
                 </a:solidFill>
                 <a:latin typeface="Arial" pitchFamily="34" charset="0"/>
                 <a:cs typeface="Arial" pitchFamily="34" charset="0"/>
               </a:rPr>
-              <a:t> </a:t>
+              <a:t> 2</a:t>
             </a:r>
             <a:r>
               <a:rPr lang="ru-RU" sz="3600" b="1" dirty="0">
@@ -5312,7 +5320,7 @@
                 <a:latin typeface="Arial" pitchFamily="34" charset="0"/>
                 <a:cs typeface="Arial" pitchFamily="34" charset="0"/>
               </a:rPr>
-              <a:t>2</a:t>
+              <a:t>	</a:t>
             </a:r>
           </a:p>
         </p:txBody>
@@ -5338,102 +5346,81 @@
           </a:bodyPr>
           <a:lstStyle/>
           <a:p>
-            <a:pPr marL="457200" indent="-457200">
-              <a:buAutoNum type="arabicPeriod"/>
-            </a:pPr>
-            <a:r>
-              <a:rPr lang="ru-RU" sz="2400" dirty="0"/>
-              <a:t>Сделать </a:t>
-            </a:r>
-            <a:r>
-              <a:rPr lang="ru-RU" sz="2400" dirty="0" err="1"/>
-              <a:t>вэб</a:t>
-            </a:r>
-            <a:r>
-              <a:rPr lang="ru-RU" sz="2400" dirty="0"/>
-              <a:t>-приложение для формирования облака слов из загруженного файла. Учесть возможность указания минимальной частоты.</a:t>
-            </a:r>
-          </a:p>
-          <a:p>
-            <a:pPr marL="457200" indent="-457200">
-              <a:buAutoNum type="arabicPeriod"/>
-            </a:pPr>
-            <a:r>
-              <a:rPr lang="ru-RU" sz="2400" dirty="0"/>
-              <a:t>Сделать </a:t>
-            </a:r>
-            <a:r>
-              <a:rPr lang="ru-RU" sz="2400" dirty="0" err="1"/>
-              <a:t>вэб</a:t>
-            </a:r>
-            <a:r>
-              <a:rPr lang="ru-RU" sz="2400" dirty="0"/>
-              <a:t>-приложение для задания 1 из </a:t>
-            </a:r>
-            <a:r>
-              <a:rPr lang="en-US" sz="2400" dirty="0"/>
-              <a:t>Day</a:t>
-            </a:r>
-            <a:r>
-              <a:rPr lang="ru-RU" sz="2400" dirty="0"/>
-              <a:t> 8</a:t>
-            </a:r>
-            <a:r>
-              <a:rPr lang="en-US" sz="2400" dirty="0"/>
-              <a:t>. </a:t>
-            </a:r>
-            <a:r>
-              <a:rPr lang="ru-RU" sz="2400" dirty="0"/>
-              <a:t>Оно должно содержать несколько вкладок:</a:t>
-            </a:r>
-          </a:p>
-          <a:p>
-            <a:pPr marL="914400" lvl="1" indent="-457200">
-              <a:buAutoNum type="arabicPeriod"/>
-            </a:pPr>
-            <a:r>
-              <a:rPr lang="ru-RU" sz="2400" dirty="0"/>
-              <a:t>Таблица с данными</a:t>
-            </a:r>
-          </a:p>
-          <a:p>
-            <a:pPr marL="914400" lvl="1" indent="-457200">
-              <a:buAutoNum type="arabicPeriod"/>
-            </a:pPr>
-            <a:r>
-              <a:rPr lang="ru-RU" sz="2400" dirty="0"/>
-              <a:t>Отображение данных про победы на карте (выбираем года и параметры)</a:t>
-            </a:r>
-          </a:p>
-          <a:p>
-            <a:pPr marL="914400" lvl="1" indent="-457200">
-              <a:buAutoNum type="arabicPeriod"/>
-            </a:pPr>
-            <a:r>
-              <a:rPr lang="ru-RU" sz="2400" dirty="0"/>
-              <a:t>Мы указываем для построения прогноза для </a:t>
-            </a:r>
-            <a:r>
-              <a:rPr lang="ru-RU" sz="2400" dirty="0" err="1"/>
-              <a:t>Сиетла</a:t>
-            </a:r>
-            <a:r>
-              <a:rPr lang="ru-RU" sz="2400" dirty="0"/>
-              <a:t> параметр и количество дней прогноза.</a:t>
+            <a:r>
+              <a:rPr lang="en-US" sz="2400" dirty="0">
+                <a:hlinkClick r:id="rId3"/>
+              </a:rPr>
+              <a:t>https://www.kaggle.com/decide-soluciones/air-quality-madrid/</a:t>
             </a:r>
             <a:endParaRPr lang="en-US" sz="2400" dirty="0"/>
           </a:p>
           <a:p>
-            <a:pPr marL="914400" lvl="1" indent="-457200">
-              <a:buAutoNum type="arabicPeriod"/>
-            </a:pPr>
-            <a:endParaRPr lang="uk-UA" sz="2400" dirty="0"/>
+            <a:endParaRPr lang="ru-RU" sz="2400" dirty="0"/>
           </a:p>
           <a:p>
             <a:pPr marL="457200" indent="-457200">
               <a:buAutoNum type="arabicParenR"/>
             </a:pPr>
-            <a:endParaRPr lang="uk-UA" sz="2400" dirty="0"/>
+            <a:r>
+              <a:rPr lang="ru-RU" sz="2400" dirty="0"/>
+              <a:t>Поменялось ли поведение количества загрязнителей воздуха? </a:t>
+            </a:r>
+          </a:p>
+          <a:p>
+            <a:pPr marL="457200" indent="-457200">
+              <a:buAutoNum type="arabicParenR"/>
+            </a:pPr>
+            <a:r>
+              <a:rPr lang="ru-RU" sz="2400" dirty="0"/>
+              <a:t>Есть ли подозрительные выбросы загрязнителей?</a:t>
+            </a:r>
+          </a:p>
+          <a:p>
+            <a:pPr marL="457200" indent="-457200">
+              <a:buAutoNum type="arabicParenR"/>
+            </a:pPr>
+            <a:r>
+              <a:rPr lang="ru-RU" sz="2400" dirty="0"/>
+              <a:t>Есть ли зависимость между загрязнителями?</a:t>
+            </a:r>
+          </a:p>
+          <a:p>
+            <a:pPr marL="457200" indent="-457200">
+              <a:buAutoNum type="arabicParenR"/>
+            </a:pPr>
+            <a:r>
+              <a:rPr lang="ru-RU" sz="2400" dirty="0"/>
+              <a:t>Какое расстояние между станциями?</a:t>
+            </a:r>
+          </a:p>
+          <a:p>
+            <a:pPr marL="457200" indent="-457200">
+              <a:buAutoNum type="arabicParenR"/>
+            </a:pPr>
+            <a:r>
+              <a:rPr lang="ru-RU" sz="2400" dirty="0"/>
+              <a:t>Похоже ли поведение показателей разных станций?  </a:t>
+            </a:r>
+          </a:p>
+          <a:p>
+            <a:pPr marL="457200" indent="-457200">
+              <a:buAutoNum type="arabicParenR"/>
+            </a:pPr>
+            <a:r>
+              <a:rPr lang="ru-RU" sz="2400" dirty="0"/>
+              <a:t> Создать </a:t>
+            </a:r>
+            <a:r>
+              <a:rPr lang="ru-RU" sz="2400" dirty="0" err="1"/>
+              <a:t>вэб</a:t>
+            </a:r>
+            <a:r>
+              <a:rPr lang="ru-RU" sz="2400" dirty="0"/>
+              <a:t>-приложение для визуализации набора данных</a:t>
+            </a:r>
+          </a:p>
+          <a:p>
+            <a:endParaRPr lang="en-US" sz="2400" dirty="0"/>
           </a:p>
         </p:txBody>
       </p:sp>
@@ -5540,7 +5527,7 @@
     </p:spTree>
     <p:extLst>
       <p:ext uri="{BB962C8B-B14F-4D97-AF65-F5344CB8AC3E}">
-        <p14:creationId xmlns:p14="http://schemas.microsoft.com/office/powerpoint/2010/main" val="3950711610"/>
+        <p14:creationId xmlns:p14="http://schemas.microsoft.com/office/powerpoint/2010/main" val="3641994513"/>
       </p:ext>
     </p:extLst>
   </p:cSld>
